--- a/01 - The RL Problem/slides.pptx
+++ b/01 - The RL Problem/slides.pptx
@@ -12051,15 +12051,15 @@
             </a:r>
             <a:r>
               <a:rPr lang="en-GB" dirty="0"/>
-              <a:t>: it don’t </a:t>
-            </a:r>
-            <a:r>
-              <a:rPr lang="en-GB"/>
-              <a:t>contain information </a:t>
-            </a:r>
-            <a:r>
-              <a:rPr lang="en-GB" dirty="0"/>
-              <a:t>about other potential rewards</a:t>
+              <a:t>: it don’t contain information about </a:t>
+            </a:r>
+            <a:r>
+              <a:rPr lang="en-GB" b="1" dirty="0"/>
+              <a:t>other</a:t>
+            </a:r>
+            <a:r>
+              <a:rPr lang="en-GB" dirty="0"/>
+              <a:t> potential rewards</a:t>
             </a:r>
           </a:p>
           <a:p>
@@ -12105,7 +12105,7 @@
         </p:blipFill>
         <p:spPr>
           <a:xfrm>
-            <a:off x="1530227" y="1830990"/>
+            <a:off x="1770858" y="2061997"/>
             <a:ext cx="4801012" cy="4605777"/>
           </a:xfrm>
           <a:prstGeom prst="rect">
@@ -12250,7 +12250,7 @@
             <a:pPr lvl="1"/>
             <a:r>
               <a:rPr lang="en-GB" dirty="0"/>
-              <a:t>on that basis it selects an action 𝐴</a:t>
+              <a:t>on that basis, it selects an action 𝐴</a:t>
             </a:r>
             <a:r>
               <a:rPr lang="en-GB" baseline="-25000" dirty="0"/>
@@ -12265,7 +12265,7 @@
             <a:pPr lvl="1"/>
             <a:r>
               <a:rPr lang="en-GB" dirty="0"/>
-              <a:t>one time step later, in part as a consequence of its action, the agent receives a numerical reward  𝑅</a:t>
+              <a:t>one time step later, in part as a consequence of its action, the agent receives a numerical reward 𝑅</a:t>
             </a:r>
             <a:r>
               <a:rPr lang="en-GB" baseline="-25000" dirty="0"/>
@@ -12273,7 +12273,7 @@
             </a:r>
             <a:r>
               <a:rPr lang="en-GB" dirty="0"/>
-              <a:t>  and finds itself in a new state 𝑆</a:t>
+              <a:t> and finds itself in a new state 𝑆</a:t>
             </a:r>
             <a:r>
               <a:rPr lang="en-GB" baseline="-25000" dirty="0"/>
@@ -13012,7 +13012,7 @@
             <a:pPr lvl="1"/>
             <a:r>
               <a:rPr lang="en-GB" dirty="0"/>
-              <a:t>It is critical that the rewards we set up truly indicate what we want accomplished</a:t>
+              <a:t>It is critical that the rewards truly indicate what we want accomplished</a:t>
             </a:r>
           </a:p>
           <a:p>
@@ -13188,7 +13188,7 @@
         </p:nvSpPr>
         <p:spPr>
           <a:xfrm>
-            <a:off x="162750" y="1262097"/>
+            <a:off x="162750" y="1315105"/>
             <a:ext cx="8818500" cy="3937700"/>
           </a:xfrm>
           <a:prstGeom prst="rect">
@@ -13266,7 +13266,7 @@
             <a:pPr lvl="1"/>
             <a:r>
               <a:rPr lang="en-GB" dirty="0"/>
-              <a:t>for episodic tasks the agent–environment interaction breaks naturally int sub-sequences (e.g. plays a game, trips through a maze) and 𝑇 has a </a:t>
+              <a:t>for episodic task, the agent–environment interaction breaks naturally int sub-sequences (e.g. plays a game, trips through a maze) and 𝑇 has a </a:t>
             </a:r>
             <a:r>
               <a:rPr lang="en-GB" b="1" dirty="0"/>
@@ -13316,7 +13316,7 @@
         </p:blipFill>
         <p:spPr>
           <a:xfrm>
-            <a:off x="845404" y="2543981"/>
+            <a:off x="1211164" y="2496555"/>
             <a:ext cx="4368800" cy="787400"/>
           </a:xfrm>
           <a:prstGeom prst="rect">
@@ -13518,7 +13518,7 @@
         </p:blipFill>
         <p:spPr>
           <a:xfrm>
-            <a:off x="676701" y="2701297"/>
+            <a:off x="811454" y="2778300"/>
             <a:ext cx="5334000" cy="727703"/>
           </a:xfrm>
           <a:prstGeom prst="rect">
@@ -15154,8 +15154,23 @@
           <a:p>
             <a:pPr lvl="1"/>
             <a:r>
-              <a:rPr lang="en-GB" dirty="0"/>
-              <a:t>stochastic or deterministic: can return action-probability distributions or single actions for a given state:</a:t>
+              <a:rPr lang="en-GB" b="1" dirty="0"/>
+              <a:t>deterministic</a:t>
+            </a:r>
+            <a:r>
+              <a:rPr lang="en-GB" dirty="0"/>
+              <a:t>: return a single actions for a given state</a:t>
+            </a:r>
+          </a:p>
+          <a:p>
+            <a:pPr lvl="1"/>
+            <a:r>
+              <a:rPr lang="en-GB" b="1" dirty="0"/>
+              <a:t>stochastic</a:t>
+            </a:r>
+            <a:r>
+              <a:rPr lang="en-GB" dirty="0"/>
+              <a:t>: return action-probability distributions for a given state</a:t>
             </a:r>
           </a:p>
           <a:p>
@@ -15167,52 +15182,57 @@
             <a:endParaRPr lang="en-GB" dirty="0"/>
           </a:p>
           <a:p>
+            <a:pPr marL="590550" lvl="1" indent="0">
+              <a:buNone/>
+            </a:pPr>
+            <a:endParaRPr lang="en-GB" dirty="0"/>
+          </a:p>
+          <a:p>
+            <a:r>
+              <a:rPr lang="en-GB" dirty="0"/>
+              <a:t>How much reward should we expect from a policy? </a:t>
+            </a:r>
+          </a:p>
+          <a:p>
+            <a:pPr lvl="1"/>
+            <a:r>
+              <a:rPr lang="en-GB" dirty="0"/>
+              <a:t>the returns?</a:t>
+            </a:r>
+          </a:p>
+          <a:p>
+            <a:pPr lvl="1"/>
+            <a:r>
+              <a:rPr lang="en-GB" dirty="0"/>
+              <a:t>even though agent acts optimally, the environment might send it to a hole (in the frozen lake example)</a:t>
+            </a:r>
+          </a:p>
+          <a:p>
+            <a:pPr lvl="1"/>
+            <a:r>
+              <a:rPr lang="en-GB" dirty="0"/>
+              <a:t>the agent is looking to </a:t>
+            </a:r>
+            <a:r>
+              <a:rPr lang="en-GB" b="1" dirty="0"/>
+              <a:t>maximize the expected return</a:t>
+            </a:r>
+          </a:p>
+          <a:p>
+            <a:pPr lvl="2"/>
+            <a:r>
+              <a:rPr lang="en-GB" dirty="0"/>
+              <a:t>to consider the environment’s stochasticity</a:t>
+            </a:r>
+          </a:p>
+          <a:p>
             <a:pPr lvl="1"/>
             <a:endParaRPr lang="en-GB" dirty="0"/>
           </a:p>
           <a:p>
             <a:r>
               <a:rPr lang="en-GB" dirty="0"/>
-              <a:t>How much reward should we expect from a policy? </a:t>
-            </a:r>
-          </a:p>
-          <a:p>
-            <a:pPr lvl="1"/>
-            <a:r>
-              <a:rPr lang="en-GB" dirty="0"/>
-              <a:t>the returns is enough</a:t>
-            </a:r>
-          </a:p>
-          <a:p>
-            <a:pPr lvl="1"/>
-            <a:r>
-              <a:rPr lang="en-GB" dirty="0"/>
-              <a:t>In the example: even though agent acts optimally, the environment might send it to an hole</a:t>
-            </a:r>
-          </a:p>
-          <a:p>
-            <a:pPr lvl="1"/>
-            <a:r>
-              <a:rPr lang="en-GB" dirty="0"/>
-              <a:t>the agent is looking to </a:t>
-            </a:r>
-            <a:r>
-              <a:rPr lang="en-GB" b="1" dirty="0"/>
-              <a:t>maximize the expected return:</a:t>
-            </a:r>
-            <a:r>
-              <a:rPr lang="en-GB" dirty="0"/>
-              <a:t> in order to take into account the environment’s stochasticity</a:t>
-            </a:r>
-          </a:p>
-          <a:p>
-            <a:pPr lvl="1"/>
-            <a:endParaRPr lang="en-GB" dirty="0"/>
-          </a:p>
-          <a:p>
-            <a:r>
-              <a:rPr lang="en-GB" dirty="0"/>
-              <a:t>We need methods to find a policies</a:t>
+              <a:t>We need methods to find policies!</a:t>
             </a:r>
           </a:p>
           <a:p>
@@ -15255,8 +15275,8 @@
         </p:blipFill>
         <p:spPr>
           <a:xfrm>
-            <a:off x="702309" y="2392426"/>
-            <a:ext cx="2525156" cy="497078"/>
+            <a:off x="1028543" y="2438022"/>
+            <a:ext cx="3046278" cy="599661"/>
           </a:xfrm>
           <a:prstGeom prst="rect">
             <a:avLst/>

--- a/01 - The RL Problem/slides.pptx
+++ b/01 - The RL Problem/slides.pptx
@@ -5,7 +5,7 @@
     <p:sldMasterId id="2147483659" r:id="rId1"/>
   </p:sldMasterIdLst>
   <p:notesMasterIdLst>
-    <p:notesMasterId r:id="rId27"/>
+    <p:notesMasterId r:id="rId26"/>
   </p:notesMasterIdLst>
   <p:sldIdLst>
     <p:sldId id="256" r:id="rId2"/>
@@ -19,37 +19,36 @@
     <p:sldId id="270" r:id="rId10"/>
     <p:sldId id="271" r:id="rId11"/>
     <p:sldId id="272" r:id="rId12"/>
-    <p:sldId id="273" r:id="rId13"/>
-    <p:sldId id="274" r:id="rId14"/>
-    <p:sldId id="275" r:id="rId15"/>
-    <p:sldId id="276" r:id="rId16"/>
-    <p:sldId id="277" r:id="rId17"/>
-    <p:sldId id="278" r:id="rId18"/>
-    <p:sldId id="279" r:id="rId19"/>
-    <p:sldId id="280" r:id="rId20"/>
-    <p:sldId id="281" r:id="rId21"/>
-    <p:sldId id="284" r:id="rId22"/>
+    <p:sldId id="287" r:id="rId13"/>
+    <p:sldId id="273" r:id="rId14"/>
+    <p:sldId id="274" r:id="rId15"/>
+    <p:sldId id="275" r:id="rId16"/>
+    <p:sldId id="276" r:id="rId17"/>
+    <p:sldId id="277" r:id="rId18"/>
+    <p:sldId id="278" r:id="rId19"/>
+    <p:sldId id="279" r:id="rId20"/>
+    <p:sldId id="280" r:id="rId21"/>
+    <p:sldId id="281" r:id="rId22"/>
     <p:sldId id="282" r:id="rId23"/>
-    <p:sldId id="283" r:id="rId24"/>
-    <p:sldId id="285" r:id="rId25"/>
-    <p:sldId id="286" r:id="rId26"/>
+    <p:sldId id="285" r:id="rId24"/>
+    <p:sldId id="286" r:id="rId25"/>
   </p:sldIdLst>
   <p:sldSz cx="9144000" cy="6858000" type="screen4x3"/>
   <p:notesSz cx="6858000" cy="9144000"/>
   <p:embeddedFontLst>
     <p:embeddedFont>
       <p:font typeface="Economica" panose="02000506040000020004" pitchFamily="2" charset="77"/>
-      <p:regular r:id="rId28"/>
-      <p:bold r:id="rId29"/>
-      <p:italic r:id="rId30"/>
-      <p:boldItalic r:id="rId31"/>
+      <p:regular r:id="rId27"/>
+      <p:bold r:id="rId28"/>
+      <p:italic r:id="rId29"/>
+      <p:boldItalic r:id="rId30"/>
     </p:embeddedFont>
     <p:embeddedFont>
       <p:font typeface="Open Sans" panose="020B0606030504020204" pitchFamily="34" charset="0"/>
-      <p:regular r:id="rId32"/>
-      <p:bold r:id="rId33"/>
-      <p:italic r:id="rId34"/>
-      <p:boldItalic r:id="rId35"/>
+      <p:regular r:id="rId31"/>
+      <p:bold r:id="rId32"/>
+      <p:italic r:id="rId33"/>
+      <p:boldItalic r:id="rId34"/>
     </p:embeddedFont>
   </p:embeddedFontLst>
   <p:defaultTextStyle>
@@ -4259,7 +4258,13 @@
   <p:cSld>
     <p:spTree>
       <p:nvGrpSpPr>
-        <p:cNvPr id="1" name="Shape 79"/>
+        <p:cNvPr id="1" name="Shape 79">
+          <a:extLst>
+            <a:ext uri="{FF2B5EF4-FFF2-40B4-BE49-F238E27FC236}">
+              <a16:creationId xmlns:a16="http://schemas.microsoft.com/office/drawing/2014/main" id="{DB68A4E8-C8B6-00FE-3E40-9B3EBCD0DDA7}"/>
+            </a:ext>
+          </a:extLst>
+        </p:cNvPr>
         <p:cNvGrpSpPr/>
         <p:nvPr/>
       </p:nvGrpSpPr>
@@ -4273,7 +4278,13 @@
       </p:grpSpPr>
       <p:sp>
         <p:nvSpPr>
-          <p:cNvPr id="80" name="Google Shape;80;geed6aedbf_0_0:notes"/>
+          <p:cNvPr id="80" name="Google Shape;80;geed6aedbf_0_0:notes">
+            <a:extLst>
+              <a:ext uri="{FF2B5EF4-FFF2-40B4-BE49-F238E27FC236}">
+                <a16:creationId xmlns:a16="http://schemas.microsoft.com/office/drawing/2014/main" id="{12EA4D2E-0A78-382F-BC7D-8C748D1E348A}"/>
+              </a:ext>
+            </a:extLst>
+          </p:cNvPr>
           <p:cNvSpPr>
             <a:spLocks noGrp="1" noRot="1" noChangeAspect="1"/>
           </p:cNvSpPr>
@@ -4314,7 +4325,13 @@
       </p:sp>
       <p:sp>
         <p:nvSpPr>
-          <p:cNvPr id="81" name="Google Shape;81;geed6aedbf_0_0:notes"/>
+          <p:cNvPr id="81" name="Google Shape;81;geed6aedbf_0_0:notes">
+            <a:extLst>
+              <a:ext uri="{FF2B5EF4-FFF2-40B4-BE49-F238E27FC236}">
+                <a16:creationId xmlns:a16="http://schemas.microsoft.com/office/drawing/2014/main" id="{96C4B31A-4CDF-46FA-2ADC-639456B661F1}"/>
+              </a:ext>
+            </a:extLst>
+          </p:cNvPr>
           <p:cNvSpPr txBox="1">
             <a:spLocks noGrp="1"/>
           </p:cNvSpPr>
@@ -4353,7 +4370,7 @@
     </p:spTree>
     <p:extLst>
       <p:ext uri="{BB962C8B-B14F-4D97-AF65-F5344CB8AC3E}">
-        <p14:creationId xmlns:p14="http://schemas.microsoft.com/office/powerpoint/2010/main" val="1734411936"/>
+        <p14:creationId xmlns:p14="http://schemas.microsoft.com/office/powerpoint/2010/main" val="780023753"/>
       </p:ext>
     </p:extLst>
   </p:cSld>
@@ -4462,7 +4479,7 @@
     </p:spTree>
     <p:extLst>
       <p:ext uri="{BB962C8B-B14F-4D97-AF65-F5344CB8AC3E}">
-        <p14:creationId xmlns:p14="http://schemas.microsoft.com/office/powerpoint/2010/main" val="489512378"/>
+        <p14:creationId xmlns:p14="http://schemas.microsoft.com/office/powerpoint/2010/main" val="1734411936"/>
       </p:ext>
     </p:extLst>
   </p:cSld>
@@ -4571,7 +4588,7 @@
     </p:spTree>
     <p:extLst>
       <p:ext uri="{BB962C8B-B14F-4D97-AF65-F5344CB8AC3E}">
-        <p14:creationId xmlns:p14="http://schemas.microsoft.com/office/powerpoint/2010/main" val="2565011850"/>
+        <p14:creationId xmlns:p14="http://schemas.microsoft.com/office/powerpoint/2010/main" val="489512378"/>
       </p:ext>
     </p:extLst>
   </p:cSld>
@@ -4680,7 +4697,7 @@
     </p:spTree>
     <p:extLst>
       <p:ext uri="{BB962C8B-B14F-4D97-AF65-F5344CB8AC3E}">
-        <p14:creationId xmlns:p14="http://schemas.microsoft.com/office/powerpoint/2010/main" val="1632265494"/>
+        <p14:creationId xmlns:p14="http://schemas.microsoft.com/office/powerpoint/2010/main" val="2565011850"/>
       </p:ext>
     </p:extLst>
   </p:cSld>
@@ -4789,7 +4806,7 @@
     </p:spTree>
     <p:extLst>
       <p:ext uri="{BB962C8B-B14F-4D97-AF65-F5344CB8AC3E}">
-        <p14:creationId xmlns:p14="http://schemas.microsoft.com/office/powerpoint/2010/main" val="1304303021"/>
+        <p14:creationId xmlns:p14="http://schemas.microsoft.com/office/powerpoint/2010/main" val="1632265494"/>
       </p:ext>
     </p:extLst>
   </p:cSld>
@@ -4898,7 +4915,7 @@
     </p:spTree>
     <p:extLst>
       <p:ext uri="{BB962C8B-B14F-4D97-AF65-F5344CB8AC3E}">
-        <p14:creationId xmlns:p14="http://schemas.microsoft.com/office/powerpoint/2010/main" val="2218546081"/>
+        <p14:creationId xmlns:p14="http://schemas.microsoft.com/office/powerpoint/2010/main" val="1304303021"/>
       </p:ext>
     </p:extLst>
   </p:cSld>
@@ -5007,7 +5024,7 @@
     </p:spTree>
     <p:extLst>
       <p:ext uri="{BB962C8B-B14F-4D97-AF65-F5344CB8AC3E}">
-        <p14:creationId xmlns:p14="http://schemas.microsoft.com/office/powerpoint/2010/main" val="4113887573"/>
+        <p14:creationId xmlns:p14="http://schemas.microsoft.com/office/powerpoint/2010/main" val="2218546081"/>
       </p:ext>
     </p:extLst>
   </p:cSld>
@@ -5116,7 +5133,7 @@
     </p:spTree>
     <p:extLst>
       <p:ext uri="{BB962C8B-B14F-4D97-AF65-F5344CB8AC3E}">
-        <p14:creationId xmlns:p14="http://schemas.microsoft.com/office/powerpoint/2010/main" val="1838996872"/>
+        <p14:creationId xmlns:p14="http://schemas.microsoft.com/office/powerpoint/2010/main" val="4113887573"/>
       </p:ext>
     </p:extLst>
   </p:cSld>
@@ -5329,7 +5346,7 @@
     </p:spTree>
     <p:extLst>
       <p:ext uri="{BB962C8B-B14F-4D97-AF65-F5344CB8AC3E}">
-        <p14:creationId xmlns:p14="http://schemas.microsoft.com/office/powerpoint/2010/main" val="1722842154"/>
+        <p14:creationId xmlns:p14="http://schemas.microsoft.com/office/powerpoint/2010/main" val="1838996872"/>
       </p:ext>
     </p:extLst>
   </p:cSld>
@@ -5438,7 +5455,7 @@
     </p:spTree>
     <p:extLst>
       <p:ext uri="{BB962C8B-B14F-4D97-AF65-F5344CB8AC3E}">
-        <p14:creationId xmlns:p14="http://schemas.microsoft.com/office/powerpoint/2010/main" val="1662495678"/>
+        <p14:creationId xmlns:p14="http://schemas.microsoft.com/office/powerpoint/2010/main" val="1722842154"/>
       </p:ext>
     </p:extLst>
   </p:cSld>
@@ -5656,7 +5673,7 @@
     </p:spTree>
     <p:extLst>
       <p:ext uri="{BB962C8B-B14F-4D97-AF65-F5344CB8AC3E}">
-        <p14:creationId xmlns:p14="http://schemas.microsoft.com/office/powerpoint/2010/main" val="3008284556"/>
+        <p14:creationId xmlns:p14="http://schemas.microsoft.com/office/powerpoint/2010/main" val="4260521255"/>
       </p:ext>
     </p:extLst>
   </p:cSld>
@@ -5667,115 +5684,6 @@
 </file>
 
 <file path=ppt/notesSlides/notesSlide24.xml><?xml version="1.0" encoding="utf-8"?>
-<p:notes xmlns:a="http://schemas.openxmlformats.org/drawingml/2006/main" xmlns:r="http://schemas.openxmlformats.org/officeDocument/2006/relationships" xmlns:p="http://schemas.openxmlformats.org/presentationml/2006/main" showMasterSp="0" showMasterPhAnim="0">
-  <p:cSld>
-    <p:spTree>
-      <p:nvGrpSpPr>
-        <p:cNvPr id="1" name="Shape 79"/>
-        <p:cNvGrpSpPr/>
-        <p:nvPr/>
-      </p:nvGrpSpPr>
-      <p:grpSpPr>
-        <a:xfrm>
-          <a:off x="0" y="0"/>
-          <a:ext cx="0" cy="0"/>
-          <a:chOff x="0" y="0"/>
-          <a:chExt cx="0" cy="0"/>
-        </a:xfrm>
-      </p:grpSpPr>
-      <p:sp>
-        <p:nvSpPr>
-          <p:cNvPr id="80" name="Google Shape;80;geed6aedbf_0_0:notes"/>
-          <p:cNvSpPr>
-            <a:spLocks noGrp="1" noRot="1" noChangeAspect="1"/>
-          </p:cNvSpPr>
-          <p:nvPr>
-            <p:ph type="sldImg" idx="2"/>
-          </p:nvPr>
-        </p:nvSpPr>
-        <p:spPr>
-          <a:xfrm>
-            <a:off x="1143000" y="685800"/>
-            <a:ext cx="4572000" cy="3429000"/>
-          </a:xfrm>
-          <a:custGeom>
-            <a:avLst/>
-            <a:gdLst/>
-            <a:ahLst/>
-            <a:cxnLst/>
-            <a:rect l="l" t="t" r="r" b="b"/>
-            <a:pathLst>
-              <a:path w="120000" h="120000" extrusionOk="0">
-                <a:moveTo>
-                  <a:pt x="0" y="0"/>
-                </a:moveTo>
-                <a:lnTo>
-                  <a:pt x="120000" y="0"/>
-                </a:lnTo>
-                <a:lnTo>
-                  <a:pt x="120000" y="120000"/>
-                </a:lnTo>
-                <a:lnTo>
-                  <a:pt x="0" y="120000"/>
-                </a:lnTo>
-                <a:close/>
-              </a:path>
-            </a:pathLst>
-          </a:custGeom>
-        </p:spPr>
-      </p:sp>
-      <p:sp>
-        <p:nvSpPr>
-          <p:cNvPr id="81" name="Google Shape;81;geed6aedbf_0_0:notes"/>
-          <p:cNvSpPr txBox="1">
-            <a:spLocks noGrp="1"/>
-          </p:cNvSpPr>
-          <p:nvPr>
-            <p:ph type="body" idx="1"/>
-          </p:nvPr>
-        </p:nvSpPr>
-        <p:spPr>
-          <a:xfrm>
-            <a:off x="685800" y="4343400"/>
-            <a:ext cx="5486400" cy="4114800"/>
-          </a:xfrm>
-          <a:prstGeom prst="rect">
-            <a:avLst/>
-          </a:prstGeom>
-        </p:spPr>
-        <p:txBody>
-          <a:bodyPr spcFirstLastPara="1" wrap="square" lIns="91425" tIns="91425" rIns="91425" bIns="91425" anchor="t" anchorCtr="0">
-            <a:noAutofit/>
-          </a:bodyPr>
-          <a:lstStyle/>
-          <a:p>
-            <a:pPr marL="0" lvl="0" indent="0" algn="l" rtl="0">
-              <a:spcBef>
-                <a:spcPts val="0"/>
-              </a:spcBef>
-              <a:spcAft>
-                <a:spcPts val="0"/>
-              </a:spcAft>
-              <a:buNone/>
-            </a:pPr>
-            <a:endParaRPr dirty="0"/>
-          </a:p>
-        </p:txBody>
-      </p:sp>
-    </p:spTree>
-    <p:extLst>
-      <p:ext uri="{BB962C8B-B14F-4D97-AF65-F5344CB8AC3E}">
-        <p14:creationId xmlns:p14="http://schemas.microsoft.com/office/powerpoint/2010/main" val="4260521255"/>
-      </p:ext>
-    </p:extLst>
-  </p:cSld>
-  <p:clrMapOvr>
-    <a:masterClrMapping/>
-  </p:clrMapOvr>
-</p:notes>
-</file>
-
-<file path=ppt/notesSlides/notesSlide25.xml><?xml version="1.0" encoding="utf-8"?>
 <p:notes xmlns:a="http://schemas.openxmlformats.org/drawingml/2006/main" xmlns:r="http://schemas.openxmlformats.org/officeDocument/2006/relationships" xmlns:p="http://schemas.openxmlformats.org/presentationml/2006/main" showMasterSp="0" showMasterPhAnim="0">
   <p:cSld>
     <p:spTree>
@@ -11886,7 +11794,7 @@
             <a:pPr lvl="0"/>
             <a:r>
               <a:rPr lang="en-GB" dirty="0"/>
-              <a:t>Thus the agent must be able to learn from </a:t>
+              <a:t>Thus, the agent must be able to learn from </a:t>
             </a:r>
             <a:r>
               <a:rPr lang="en-GB" b="1" dirty="0"/>
@@ -11923,10 +11831,10 @@
       </p:sp>
       <p:pic>
         <p:nvPicPr>
-          <p:cNvPr id="3" name="Immagine 2">
+          <p:cNvPr id="4" name="Immagine 3" descr="Immagine che contiene testo, schermata, cerchio, diagramma&#10;&#10;Descrizione generata automaticamente">
             <a:extLst>
               <a:ext uri="{FF2B5EF4-FFF2-40B4-BE49-F238E27FC236}">
-                <a16:creationId xmlns:a16="http://schemas.microsoft.com/office/drawing/2014/main" id="{B5A2D85B-25EA-51CE-30EE-5FCC2A5BCEE7}"/>
+                <a16:creationId xmlns:a16="http://schemas.microsoft.com/office/drawing/2014/main" id="{B7B18363-0CB4-4093-977E-EBED02237DA0}"/>
               </a:ext>
             </a:extLst>
           </p:cNvPr>
@@ -11937,14 +11845,13 @@
         </p:nvPicPr>
         <p:blipFill>
           <a:blip r:embed="rId3"/>
-          <a:stretch>
-            <a:fillRect/>
-          </a:stretch>
+          <a:srcRect t="11320"/>
+          <a:stretch/>
         </p:blipFill>
         <p:spPr>
           <a:xfrm>
-            <a:off x="1638794" y="2374751"/>
-            <a:ext cx="5146596" cy="4201478"/>
+            <a:off x="604520" y="2375185"/>
+            <a:ext cx="7772400" cy="4201044"/>
           </a:xfrm>
           <a:prstGeom prst="rect">
             <a:avLst/>
@@ -12063,17 +11970,6 @@
             </a:r>
           </a:p>
           <a:p>
-            <a:pPr lvl="1"/>
-            <a:r>
-              <a:rPr lang="en-GB" b="1" dirty="0"/>
-              <a:t>exploration versus exploitation trade-off</a:t>
-            </a:r>
-          </a:p>
-          <a:p>
-            <a:pPr lvl="0"/>
-            <a:endParaRPr lang="en-GB" dirty="0"/>
-          </a:p>
-          <a:p>
             <a:pPr lvl="0"/>
             <a:endParaRPr lang="en-GB" dirty="0"/>
           </a:p>
@@ -12085,10 +11981,10 @@
       </p:sp>
       <p:pic>
         <p:nvPicPr>
-          <p:cNvPr id="3" name="Immagine 2">
+          <p:cNvPr id="4" name="Immagine 3" descr="Immagine che contiene testo, schermata, diagramma, cerchio&#10;&#10;Descrizione generata automaticamente">
             <a:extLst>
               <a:ext uri="{FF2B5EF4-FFF2-40B4-BE49-F238E27FC236}">
-                <a16:creationId xmlns:a16="http://schemas.microsoft.com/office/drawing/2014/main" id="{06C364F7-5AEB-D00D-6586-D30FF7199764}"/>
+                <a16:creationId xmlns:a16="http://schemas.microsoft.com/office/drawing/2014/main" id="{BC170401-C39C-7F6A-D04F-39EAB1D0D2EF}"/>
               </a:ext>
             </a:extLst>
           </p:cNvPr>
@@ -12099,14 +11995,13 @@
         </p:nvPicPr>
         <p:blipFill>
           <a:blip r:embed="rId3"/>
-          <a:stretch>
-            <a:fillRect/>
-          </a:stretch>
+          <a:srcRect t="10304"/>
+          <a:stretch/>
         </p:blipFill>
         <p:spPr>
           <a:xfrm>
-            <a:off x="1770858" y="2061997"/>
-            <a:ext cx="4801012" cy="4605777"/>
+            <a:off x="995228" y="1742840"/>
+            <a:ext cx="7153544" cy="4693927"/>
           </a:xfrm>
           <a:prstGeom prst="rect">
             <a:avLst/>
@@ -12131,7 +12026,13 @@
   <p:cSld>
     <p:spTree>
       <p:nvGrpSpPr>
-        <p:cNvPr id="1" name="Shape 82"/>
+        <p:cNvPr id="1" name="Shape 82">
+          <a:extLst>
+            <a:ext uri="{FF2B5EF4-FFF2-40B4-BE49-F238E27FC236}">
+              <a16:creationId xmlns:a16="http://schemas.microsoft.com/office/drawing/2014/main" id="{68FE078B-C039-2D6B-7A79-420715811887}"/>
+            </a:ext>
+          </a:extLst>
+        </p:cNvPr>
         <p:cNvGrpSpPr/>
         <p:nvPr/>
       </p:nvGrpSpPr>
@@ -12145,7 +12046,13 @@
       </p:grpSpPr>
       <p:sp>
         <p:nvSpPr>
-          <p:cNvPr id="83" name="Google Shape;83;p14"/>
+          <p:cNvPr id="83" name="Google Shape;83;p14">
+            <a:extLst>
+              <a:ext uri="{FF2B5EF4-FFF2-40B4-BE49-F238E27FC236}">
+                <a16:creationId xmlns:a16="http://schemas.microsoft.com/office/drawing/2014/main" id="{59270FB6-5177-EFFF-BFE8-5176FF3C1853}"/>
+              </a:ext>
+            </a:extLst>
+          </p:cNvPr>
           <p:cNvSpPr txBox="1">
             <a:spLocks noGrp="1"/>
           </p:cNvSpPr>
@@ -12171,7 +12078,7 @@
             <a:pPr lvl="0"/>
             <a:r>
               <a:rPr lang="en-GB" sz="4000" dirty="0"/>
-              <a:t>Markov Decision Process</a:t>
+              <a:t>Learning from sampled feedback</a:t>
             </a:r>
             <a:endParaRPr sz="4000" dirty="0"/>
           </a:p>
@@ -12179,7 +12086,13 @@
       </p:sp>
       <p:sp>
         <p:nvSpPr>
-          <p:cNvPr id="84" name="Google Shape;84;p14"/>
+          <p:cNvPr id="84" name="Google Shape;84;p14">
+            <a:extLst>
+              <a:ext uri="{FF2B5EF4-FFF2-40B4-BE49-F238E27FC236}">
+                <a16:creationId xmlns:a16="http://schemas.microsoft.com/office/drawing/2014/main" id="{D861236A-EFEF-1F61-6D48-8D4A21F27985}"/>
+              </a:ext>
+            </a:extLst>
+          </p:cNvPr>
           <p:cNvSpPr txBox="1">
             <a:spLocks noGrp="1"/>
           </p:cNvSpPr>
@@ -12205,135 +12118,46 @@
             <a:pPr lvl="0"/>
             <a:r>
               <a:rPr lang="en-GB" dirty="0"/>
-              <a:t>A </a:t>
+              <a:t>The reward is just a </a:t>
             </a:r>
             <a:r>
               <a:rPr lang="en-GB" b="1" dirty="0"/>
-              <a:t>mathematical framing </a:t>
-            </a:r>
-            <a:r>
-              <a:rPr lang="en-GB" dirty="0"/>
-              <a:t>for the problem of learning from interaction to achieve a goal</a:t>
-            </a:r>
-          </a:p>
-          <a:p>
-            <a:pPr lvl="1"/>
-            <a:r>
-              <a:rPr lang="en-GB" dirty="0"/>
-              <a:t>the agent and environment interact at each of a sequence of discrete time steps</a:t>
+              <a:t>sample:</a:t>
+            </a:r>
+            <a:r>
+              <a:rPr lang="en-GB" dirty="0"/>
+              <a:t> it doesn’t have access to the reward function</a:t>
+            </a:r>
+          </a:p>
+          <a:p>
+            <a:pPr lvl="0"/>
+            <a:r>
+              <a:rPr lang="en-GB" dirty="0"/>
+              <a:t>State and action spaces are commonly </a:t>
             </a:r>
             <a:r>
               <a:rPr lang="en-GB" b="1" dirty="0"/>
-              <a:t> </a:t>
-            </a:r>
-            <a:r>
-              <a:rPr lang="en-GB" dirty="0"/>
-              <a:t>𝑡=0,1,2,3,...</a:t>
-            </a:r>
-          </a:p>
-          <a:p>
-            <a:pPr lvl="1"/>
-            <a:r>
-              <a:rPr lang="en-GB" dirty="0"/>
-              <a:t>at each time step 𝑡, the agent receives a representation of environment's state 𝑆</a:t>
-            </a:r>
-            <a:r>
-              <a:rPr lang="en-GB" baseline="-25000" dirty="0"/>
-              <a:t>𝑡</a:t>
-            </a:r>
-            <a:r>
-              <a:rPr lang="en-GB" dirty="0"/>
-              <a:t>  from a state space 𝑆</a:t>
-            </a:r>
-          </a:p>
-          <a:p>
-            <a:pPr lvl="1"/>
-            <a:r>
-              <a:rPr lang="en-GB" dirty="0"/>
-              <a:t>on that basis, it selects an action 𝐴</a:t>
-            </a:r>
-            <a:r>
-              <a:rPr lang="en-GB" baseline="-25000" dirty="0"/>
-              <a:t>𝑡</a:t>
-            </a:r>
-            <a:r>
-              <a:rPr lang="en-GB" dirty="0"/>
-              <a:t> from a set of actions 𝐴 </a:t>
-            </a:r>
-          </a:p>
-          <a:p>
-            <a:pPr lvl="1"/>
-            <a:r>
-              <a:rPr lang="en-GB" dirty="0"/>
-              <a:t>one time step later, in part as a consequence of its action, the agent receives a numerical reward 𝑅</a:t>
-            </a:r>
-            <a:r>
-              <a:rPr lang="en-GB" baseline="-25000" dirty="0"/>
-              <a:t>𝑡+1</a:t>
-            </a:r>
-            <a:r>
-              <a:rPr lang="en-GB" dirty="0"/>
-              <a:t> and finds itself in a new state 𝑆</a:t>
-            </a:r>
-            <a:r>
-              <a:rPr lang="en-GB" baseline="-25000" dirty="0"/>
-              <a:t>𝑡+1</a:t>
-            </a:r>
-            <a:r>
-              <a:rPr lang="en-GB" dirty="0"/>
-              <a:t> </a:t>
-            </a:r>
-          </a:p>
-          <a:p>
-            <a:r>
-              <a:rPr lang="en-GB" dirty="0"/>
-              <a:t>The environment and the agent together give rise to a sequence or </a:t>
+              <a:t>large</a:t>
+            </a:r>
+            <a:r>
+              <a:rPr lang="en-GB" dirty="0"/>
+              <a:t>, even infinite</a:t>
+            </a:r>
+          </a:p>
+          <a:p>
+            <a:pPr lvl="0"/>
+            <a:r>
+              <a:rPr lang="en-GB" dirty="0"/>
+              <a:t>The agent must be able to </a:t>
             </a:r>
             <a:r>
               <a:rPr lang="en-GB" b="1" dirty="0"/>
-              <a:t>trajectory</a:t>
-            </a:r>
-          </a:p>
-          <a:p>
-            <a:endParaRPr lang="en-GB" b="1" dirty="0"/>
-          </a:p>
-          <a:p>
-            <a:pPr lvl="1"/>
-            <a:endParaRPr lang="it-IT" dirty="0"/>
-          </a:p>
-          <a:p>
-            <a:endParaRPr lang="it-IT" dirty="0"/>
-          </a:p>
-          <a:p>
-            <a:r>
-              <a:rPr lang="en-GB" dirty="0"/>
-              <a:t>A </a:t>
-            </a:r>
-            <a:r>
-              <a:rPr lang="en-GB" b="1" dirty="0"/>
-              <a:t>starting states </a:t>
-            </a:r>
-            <a:r>
-              <a:rPr lang="en-GB" dirty="0"/>
-              <a:t>is a state to begin interacting with the environment </a:t>
-            </a:r>
-          </a:p>
-          <a:p>
-            <a:r>
-              <a:rPr lang="en-GB" dirty="0"/>
-              <a:t>A </a:t>
-            </a:r>
-            <a:r>
-              <a:rPr lang="en-GB" b="1" dirty="0"/>
-              <a:t>terminal state </a:t>
-            </a:r>
-            <a:r>
-              <a:rPr lang="en-GB" dirty="0"/>
-              <a:t>has all available actions transitioning, with probability 1, to itself, and these transitions provide no reward</a:t>
-            </a:r>
-            <a:br>
-              <a:rPr lang="it-IT" dirty="0"/>
-            </a:br>
+              <a:t>generalize</a:t>
+            </a:r>
+            <a:endParaRPr lang="en-GB" dirty="0"/>
+          </a:p>
+          <a:p>
+            <a:pPr lvl="0"/>
             <a:endParaRPr lang="en-GB" dirty="0"/>
           </a:p>
           <a:p>
@@ -12344,10 +12168,10 @@
       </p:sp>
       <p:pic>
         <p:nvPicPr>
-          <p:cNvPr id="7" name="Immagine 6">
+          <p:cNvPr id="3" name="Immagine 2" descr="Immagine che contiene testo, schermata, spilla da balia, cerchio&#10;&#10;Descrizione generata automaticamente">
             <a:extLst>
               <a:ext uri="{FF2B5EF4-FFF2-40B4-BE49-F238E27FC236}">
-                <a16:creationId xmlns:a16="http://schemas.microsoft.com/office/drawing/2014/main" id="{3AA9CA5E-B11C-5354-F133-CC2410A67F28}"/>
+                <a16:creationId xmlns:a16="http://schemas.microsoft.com/office/drawing/2014/main" id="{4E0F4385-C62B-92B7-568D-4DB6255920A9}"/>
               </a:ext>
             </a:extLst>
           </p:cNvPr>
@@ -12358,14 +12182,13 @@
         </p:nvPicPr>
         <p:blipFill>
           <a:blip r:embed="rId3"/>
-          <a:stretch>
-            <a:fillRect/>
-          </a:stretch>
+          <a:srcRect t="9238"/>
+          <a:stretch/>
         </p:blipFill>
         <p:spPr>
           <a:xfrm>
-            <a:off x="771484" y="4505861"/>
-            <a:ext cx="4584700" cy="482600"/>
+            <a:off x="1219200" y="2006600"/>
+            <a:ext cx="7225808" cy="4607560"/>
           </a:xfrm>
           <a:prstGeom prst="rect">
             <a:avLst/>
@@ -12375,7 +12198,7 @@
     </p:spTree>
     <p:extLst>
       <p:ext uri="{BB962C8B-B14F-4D97-AF65-F5344CB8AC3E}">
-        <p14:creationId xmlns:p14="http://schemas.microsoft.com/office/powerpoint/2010/main" val="3859598341"/>
+        <p14:creationId xmlns:p14="http://schemas.microsoft.com/office/powerpoint/2010/main" val="675018885"/>
       </p:ext>
     </p:extLst>
   </p:cSld>
@@ -12430,6 +12253,265 @@
             <a:pPr lvl="0"/>
             <a:r>
               <a:rPr lang="en-GB" sz="4000" dirty="0"/>
+              <a:t>Markov Decision Process</a:t>
+            </a:r>
+            <a:endParaRPr sz="4000" dirty="0"/>
+          </a:p>
+        </p:txBody>
+      </p:sp>
+      <p:sp>
+        <p:nvSpPr>
+          <p:cNvPr id="84" name="Google Shape;84;p14"/>
+          <p:cNvSpPr txBox="1">
+            <a:spLocks noGrp="1"/>
+          </p:cNvSpPr>
+          <p:nvPr>
+            <p:ph type="body" idx="1"/>
+          </p:nvPr>
+        </p:nvSpPr>
+        <p:spPr>
+          <a:xfrm>
+            <a:off x="162750" y="1043733"/>
+            <a:ext cx="8818500" cy="5100000"/>
+          </a:xfrm>
+          <a:prstGeom prst="rect">
+            <a:avLst/>
+          </a:prstGeom>
+        </p:spPr>
+        <p:txBody>
+          <a:bodyPr spcFirstLastPara="1" wrap="square" lIns="91425" tIns="91425" rIns="91425" bIns="91425" anchor="t" anchorCtr="0">
+            <a:noAutofit/>
+          </a:bodyPr>
+          <a:lstStyle/>
+          <a:p>
+            <a:pPr lvl="0"/>
+            <a:r>
+              <a:rPr lang="en-GB" dirty="0"/>
+              <a:t>A </a:t>
+            </a:r>
+            <a:r>
+              <a:rPr lang="en-GB" b="1" dirty="0"/>
+              <a:t>mathematical framing </a:t>
+            </a:r>
+            <a:r>
+              <a:rPr lang="en-GB" dirty="0"/>
+              <a:t>for the problem of learning from interaction to achieve a goal</a:t>
+            </a:r>
+          </a:p>
+          <a:p>
+            <a:pPr lvl="1"/>
+            <a:r>
+              <a:rPr lang="en-GB" dirty="0"/>
+              <a:t>the agent and environment interact at each of a sequence of discrete time steps</a:t>
+            </a:r>
+            <a:r>
+              <a:rPr lang="en-GB" b="1" dirty="0"/>
+              <a:t> </a:t>
+            </a:r>
+            <a:r>
+              <a:rPr lang="en-GB" dirty="0"/>
+              <a:t>𝑡=0,1,2,3,...</a:t>
+            </a:r>
+          </a:p>
+          <a:p>
+            <a:pPr lvl="1"/>
+            <a:r>
+              <a:rPr lang="en-GB" dirty="0"/>
+              <a:t>at each time step 𝑡, the agent receives a representation of environment's state 𝑆</a:t>
+            </a:r>
+            <a:r>
+              <a:rPr lang="en-GB" baseline="-25000" dirty="0"/>
+              <a:t>𝑡</a:t>
+            </a:r>
+            <a:r>
+              <a:rPr lang="en-GB" dirty="0"/>
+              <a:t>  from a state space 𝑆</a:t>
+            </a:r>
+          </a:p>
+          <a:p>
+            <a:pPr lvl="1"/>
+            <a:r>
+              <a:rPr lang="en-GB" dirty="0"/>
+              <a:t>on that basis, it selects an action 𝐴</a:t>
+            </a:r>
+            <a:r>
+              <a:rPr lang="en-GB" baseline="-25000" dirty="0"/>
+              <a:t>𝑡</a:t>
+            </a:r>
+            <a:r>
+              <a:rPr lang="en-GB" dirty="0"/>
+              <a:t> from a set of actions 𝐴 </a:t>
+            </a:r>
+          </a:p>
+          <a:p>
+            <a:pPr lvl="1"/>
+            <a:r>
+              <a:rPr lang="en-GB" dirty="0"/>
+              <a:t>one time step later, in part as a consequence of its action, the agent receives a numerical reward 𝑅</a:t>
+            </a:r>
+            <a:r>
+              <a:rPr lang="en-GB" baseline="-25000" dirty="0"/>
+              <a:t>𝑡+1</a:t>
+            </a:r>
+            <a:r>
+              <a:rPr lang="en-GB" dirty="0"/>
+              <a:t> and finds itself in a new state 𝑆</a:t>
+            </a:r>
+            <a:r>
+              <a:rPr lang="en-GB" baseline="-25000" dirty="0"/>
+              <a:t>𝑡+1</a:t>
+            </a:r>
+            <a:r>
+              <a:rPr lang="en-GB" dirty="0"/>
+              <a:t> </a:t>
+            </a:r>
+          </a:p>
+          <a:p>
+            <a:r>
+              <a:rPr lang="en-GB" dirty="0"/>
+              <a:t>The environment and the agent together give rise to a sequence or </a:t>
+            </a:r>
+            <a:r>
+              <a:rPr lang="en-GB" b="1" dirty="0"/>
+              <a:t>trajectory</a:t>
+            </a:r>
+          </a:p>
+          <a:p>
+            <a:endParaRPr lang="en-GB" b="1" dirty="0"/>
+          </a:p>
+          <a:p>
+            <a:pPr lvl="1"/>
+            <a:endParaRPr lang="it-IT" dirty="0"/>
+          </a:p>
+          <a:p>
+            <a:endParaRPr lang="it-IT" dirty="0"/>
+          </a:p>
+          <a:p>
+            <a:r>
+              <a:rPr lang="en-GB" dirty="0"/>
+              <a:t>A </a:t>
+            </a:r>
+            <a:r>
+              <a:rPr lang="en-GB" b="1" dirty="0"/>
+              <a:t>starting states </a:t>
+            </a:r>
+            <a:r>
+              <a:rPr lang="en-GB" dirty="0"/>
+              <a:t>is a state to begin interacting with the environment </a:t>
+            </a:r>
+          </a:p>
+          <a:p>
+            <a:r>
+              <a:rPr lang="en-GB" dirty="0"/>
+              <a:t>A </a:t>
+            </a:r>
+            <a:r>
+              <a:rPr lang="en-GB" b="1" dirty="0"/>
+              <a:t>terminal state </a:t>
+            </a:r>
+            <a:r>
+              <a:rPr lang="en-GB" dirty="0"/>
+              <a:t>has all available actions transitioning, with probability 1, to itself, and these transitions provide no reward</a:t>
+            </a:r>
+            <a:br>
+              <a:rPr lang="it-IT" dirty="0"/>
+            </a:br>
+            <a:endParaRPr lang="en-GB" dirty="0"/>
+          </a:p>
+          <a:p>
+            <a:pPr lvl="1"/>
+            <a:endParaRPr lang="en-GB" dirty="0"/>
+          </a:p>
+        </p:txBody>
+      </p:sp>
+      <p:pic>
+        <p:nvPicPr>
+          <p:cNvPr id="7" name="Immagine 6">
+            <a:extLst>
+              <a:ext uri="{FF2B5EF4-FFF2-40B4-BE49-F238E27FC236}">
+                <a16:creationId xmlns:a16="http://schemas.microsoft.com/office/drawing/2014/main" id="{3AA9CA5E-B11C-5354-F133-CC2410A67F28}"/>
+              </a:ext>
+            </a:extLst>
+          </p:cNvPr>
+          <p:cNvPicPr>
+            <a:picLocks noChangeAspect="1"/>
+          </p:cNvPicPr>
+          <p:nvPr/>
+        </p:nvPicPr>
+        <p:blipFill>
+          <a:blip r:embed="rId3"/>
+          <a:stretch>
+            <a:fillRect/>
+          </a:stretch>
+        </p:blipFill>
+        <p:spPr>
+          <a:xfrm>
+            <a:off x="771484" y="4505861"/>
+            <a:ext cx="4584700" cy="482600"/>
+          </a:xfrm>
+          <a:prstGeom prst="rect">
+            <a:avLst/>
+          </a:prstGeom>
+        </p:spPr>
+      </p:pic>
+    </p:spTree>
+    <p:extLst>
+      <p:ext uri="{BB962C8B-B14F-4D97-AF65-F5344CB8AC3E}">
+        <p14:creationId xmlns:p14="http://schemas.microsoft.com/office/powerpoint/2010/main" val="3859598341"/>
+      </p:ext>
+    </p:extLst>
+  </p:cSld>
+  <p:clrMapOvr>
+    <a:masterClrMapping/>
+  </p:clrMapOvr>
+</p:sld>
+</file>
+
+<file path=ppt/slides/slide14.xml><?xml version="1.0" encoding="utf-8"?>
+<p:sld xmlns:a="http://schemas.openxmlformats.org/drawingml/2006/main" xmlns:r="http://schemas.openxmlformats.org/officeDocument/2006/relationships" xmlns:p="http://schemas.openxmlformats.org/presentationml/2006/main">
+  <p:cSld>
+    <p:spTree>
+      <p:nvGrpSpPr>
+        <p:cNvPr id="1" name="Shape 82"/>
+        <p:cNvGrpSpPr/>
+        <p:nvPr/>
+      </p:nvGrpSpPr>
+      <p:grpSpPr>
+        <a:xfrm>
+          <a:off x="0" y="0"/>
+          <a:ext cx="0" cy="0"/>
+          <a:chOff x="0" y="0"/>
+          <a:chExt cx="0" cy="0"/>
+        </a:xfrm>
+      </p:grpSpPr>
+      <p:sp>
+        <p:nvSpPr>
+          <p:cNvPr id="83" name="Google Shape;83;p14"/>
+          <p:cNvSpPr txBox="1">
+            <a:spLocks noGrp="1"/>
+          </p:cNvSpPr>
+          <p:nvPr>
+            <p:ph type="title" idx="4294967295"/>
+          </p:nvPr>
+        </p:nvSpPr>
+        <p:spPr>
+          <a:xfrm>
+            <a:off x="311700" y="421233"/>
+            <a:ext cx="8520600" cy="622500"/>
+          </a:xfrm>
+          <a:prstGeom prst="rect">
+            <a:avLst/>
+          </a:prstGeom>
+        </p:spPr>
+        <p:txBody>
+          <a:bodyPr spcFirstLastPara="1" wrap="square" lIns="91425" tIns="91425" rIns="91425" bIns="91425" anchor="b" anchorCtr="0">
+            <a:noAutofit/>
+          </a:bodyPr>
+          <a:lstStyle/>
+          <a:p>
+            <a:pPr lvl="0"/>
+            <a:r>
+              <a:rPr lang="en-GB" sz="4000" dirty="0"/>
               <a:t>Markov Property</a:t>
             </a:r>
             <a:endParaRPr sz="4000" dirty="0"/>
@@ -12591,7 +12673,7 @@
 </p:sld>
 </file>
 
-<file path=ppt/slides/slide14.xml><?xml version="1.0" encoding="utf-8"?>
+<file path=ppt/slides/slide15.xml><?xml version="1.0" encoding="utf-8"?>
 <p:sld xmlns:a="http://schemas.openxmlformats.org/drawingml/2006/main" xmlns:r="http://schemas.openxmlformats.org/officeDocument/2006/relationships" xmlns:p="http://schemas.openxmlformats.org/presentationml/2006/main">
   <p:cSld>
     <p:spTree>
@@ -12878,7 +12960,7 @@
 </p:sld>
 </file>
 
-<file path=ppt/slides/slide15.xml><?xml version="1.0" encoding="utf-8"?>
+<file path=ppt/slides/slide16.xml><?xml version="1.0" encoding="utf-8"?>
 <p:sld xmlns:a="http://schemas.openxmlformats.org/drawingml/2006/main" xmlns:r="http://schemas.openxmlformats.org/officeDocument/2006/relationships" xmlns:p="http://schemas.openxmlformats.org/presentationml/2006/main">
   <p:cSld>
     <p:spTree>
@@ -13125,7 +13207,7 @@
 </p:sld>
 </file>
 
-<file path=ppt/slides/slide16.xml><?xml version="1.0" encoding="utf-8"?>
+<file path=ppt/slides/slide17.xml><?xml version="1.0" encoding="utf-8"?>
 <p:sld xmlns:a="http://schemas.openxmlformats.org/drawingml/2006/main" xmlns:r="http://schemas.openxmlformats.org/officeDocument/2006/relationships" xmlns:p="http://schemas.openxmlformats.org/presentationml/2006/main">
   <p:cSld>
     <p:spTree>
@@ -13337,7 +13419,7 @@
 </p:sld>
 </file>
 
-<file path=ppt/slides/slide17.xml><?xml version="1.0" encoding="utf-8"?>
+<file path=ppt/slides/slide18.xml><?xml version="1.0" encoding="utf-8"?>
 <p:sld xmlns:a="http://schemas.openxmlformats.org/drawingml/2006/main" xmlns:r="http://schemas.openxmlformats.org/officeDocument/2006/relationships" xmlns:p="http://schemas.openxmlformats.org/presentationml/2006/main">
   <p:cSld>
     <p:spTree>
@@ -13569,205 +13651,6 @@
 </p:sld>
 </file>
 
-<file path=ppt/slides/slide18.xml><?xml version="1.0" encoding="utf-8"?>
-<p:sld xmlns:a="http://schemas.openxmlformats.org/drawingml/2006/main" xmlns:r="http://schemas.openxmlformats.org/officeDocument/2006/relationships" xmlns:p="http://schemas.openxmlformats.org/presentationml/2006/main">
-  <p:cSld>
-    <p:spTree>
-      <p:nvGrpSpPr>
-        <p:cNvPr id="1" name="Shape 82"/>
-        <p:cNvGrpSpPr/>
-        <p:nvPr/>
-      </p:nvGrpSpPr>
-      <p:grpSpPr>
-        <a:xfrm>
-          <a:off x="0" y="0"/>
-          <a:ext cx="0" cy="0"/>
-          <a:chOff x="0" y="0"/>
-          <a:chExt cx="0" cy="0"/>
-        </a:xfrm>
-      </p:grpSpPr>
-      <p:sp>
-        <p:nvSpPr>
-          <p:cNvPr id="83" name="Google Shape;83;p14"/>
-          <p:cNvSpPr txBox="1">
-            <a:spLocks noGrp="1"/>
-          </p:cNvSpPr>
-          <p:nvPr>
-            <p:ph type="title" idx="4294967295"/>
-          </p:nvPr>
-        </p:nvSpPr>
-        <p:spPr>
-          <a:xfrm>
-            <a:off x="311700" y="421233"/>
-            <a:ext cx="8520600" cy="622500"/>
-          </a:xfrm>
-          <a:prstGeom prst="rect">
-            <a:avLst/>
-          </a:prstGeom>
-        </p:spPr>
-        <p:txBody>
-          <a:bodyPr spcFirstLastPara="1" wrap="square" lIns="91425" tIns="91425" rIns="91425" bIns="91425" anchor="b" anchorCtr="0">
-            <a:noAutofit/>
-          </a:bodyPr>
-          <a:lstStyle/>
-          <a:p>
-            <a:pPr lvl="0"/>
-            <a:r>
-              <a:rPr lang="en-GB" sz="4000" dirty="0"/>
-              <a:t>MDP framework</a:t>
-            </a:r>
-            <a:endParaRPr sz="4000" dirty="0"/>
-          </a:p>
-        </p:txBody>
-      </p:sp>
-      <p:sp>
-        <p:nvSpPr>
-          <p:cNvPr id="84" name="Google Shape;84;p14"/>
-          <p:cNvSpPr txBox="1">
-            <a:spLocks noGrp="1"/>
-          </p:cNvSpPr>
-          <p:nvPr>
-            <p:ph type="body" idx="1"/>
-          </p:nvPr>
-        </p:nvSpPr>
-        <p:spPr>
-          <a:xfrm>
-            <a:off x="162750" y="1043733"/>
-            <a:ext cx="8818500" cy="5393034"/>
-          </a:xfrm>
-          <a:prstGeom prst="rect">
-            <a:avLst/>
-          </a:prstGeom>
-        </p:spPr>
-        <p:txBody>
-          <a:bodyPr spcFirstLastPara="1" wrap="square" lIns="91425" tIns="91425" rIns="91425" bIns="91425" anchor="t" anchorCtr="0">
-            <a:noAutofit/>
-          </a:bodyPr>
-          <a:lstStyle/>
-          <a:p>
-            <a:pPr lvl="0"/>
-            <a:r>
-              <a:rPr lang="en-GB" dirty="0"/>
-              <a:t>The MDP framework is </a:t>
-            </a:r>
-            <a:r>
-              <a:rPr lang="en-GB" b="1" dirty="0"/>
-              <a:t>abstract</a:t>
-            </a:r>
-            <a:r>
-              <a:rPr lang="en-GB" dirty="0"/>
-              <a:t> and </a:t>
-            </a:r>
-            <a:r>
-              <a:rPr lang="en-GB" b="1" dirty="0"/>
-              <a:t>flexible</a:t>
-            </a:r>
-            <a:r>
-              <a:rPr lang="en-GB" dirty="0"/>
-              <a:t> and can be applied to many different problems in many different ways</a:t>
-            </a:r>
-          </a:p>
-          <a:p>
-            <a:pPr lvl="1"/>
-            <a:r>
-              <a:rPr lang="en-GB" dirty="0"/>
-              <a:t>actions can be low-level controls (the voltages applied to the motors of a robot arm)</a:t>
-            </a:r>
-          </a:p>
-          <a:p>
-            <a:pPr lvl="1"/>
-            <a:r>
-              <a:rPr lang="en-GB" dirty="0"/>
-              <a:t>or high-level decisions (whether or not to have lunch)</a:t>
-            </a:r>
-          </a:p>
-          <a:p>
-            <a:pPr lvl="1"/>
-            <a:r>
-              <a:rPr lang="en-GB" dirty="0"/>
-              <a:t>states can take a wide variety of forms</a:t>
-            </a:r>
-          </a:p>
-          <a:p>
-            <a:pPr lvl="2"/>
-            <a:r>
-              <a:rPr lang="en-GB" dirty="0"/>
-              <a:t>can be completely determined by low-level sensations (direct sensor readings) </a:t>
-            </a:r>
-          </a:p>
-          <a:p>
-            <a:pPr lvl="2"/>
-            <a:r>
-              <a:rPr lang="en-GB" dirty="0"/>
-              <a:t>can be more high-level and abstract (symbolic descriptions of objects in a room)</a:t>
-            </a:r>
-          </a:p>
-          <a:p>
-            <a:r>
-              <a:rPr lang="en-GB" dirty="0"/>
-              <a:t>In general, actions can be any decisions we want to learn how to make, and the states can be anything we can know that might be useful in making them!</a:t>
-            </a:r>
-          </a:p>
-          <a:p>
-            <a:endParaRPr lang="en-GB" sz="1050" dirty="0"/>
-          </a:p>
-          <a:p>
-            <a:r>
-              <a:rPr lang="en-GB" dirty="0"/>
-              <a:t>There are many extensions to the framework</a:t>
-            </a:r>
-          </a:p>
-          <a:p>
-            <a:pPr lvl="1"/>
-            <a:r>
-              <a:rPr lang="en-GB" b="1" dirty="0"/>
-              <a:t>Partially observable Markov decision process: </a:t>
-            </a:r>
-            <a:r>
-              <a:rPr lang="en-GB" dirty="0"/>
-              <a:t>when the agent cannot fully observe the environment state</a:t>
-            </a:r>
-          </a:p>
-          <a:p>
-            <a:pPr lvl="1"/>
-            <a:r>
-              <a:rPr lang="en-GB" b="1" dirty="0"/>
-              <a:t>Continuous Markov decision process: </a:t>
-            </a:r>
-            <a:r>
-              <a:rPr lang="en-GB" dirty="0"/>
-              <a:t>when time, action, state or any combination of them are continuous</a:t>
-            </a:r>
-          </a:p>
-          <a:p>
-            <a:pPr lvl="1"/>
-            <a:r>
-              <a:rPr lang="en-GB" b="1" dirty="0"/>
-              <a:t>Multi-agent Markov decision process: </a:t>
-            </a:r>
-            <a:r>
-              <a:rPr lang="en-GB" dirty="0"/>
-              <a:t>to allows the inclusion of multiple agents in the same environment</a:t>
-            </a:r>
-          </a:p>
-          <a:p>
-            <a:endParaRPr lang="en-GB" dirty="0"/>
-          </a:p>
-        </p:txBody>
-      </p:sp>
-    </p:spTree>
-    <p:extLst>
-      <p:ext uri="{BB962C8B-B14F-4D97-AF65-F5344CB8AC3E}">
-        <p14:creationId xmlns:p14="http://schemas.microsoft.com/office/powerpoint/2010/main" val="2677523252"/>
-      </p:ext>
-    </p:extLst>
-  </p:cSld>
-  <p:clrMapOvr>
-    <a:masterClrMapping/>
-  </p:clrMapOvr>
-</p:sld>
-</file>
-
 <file path=ppt/slides/slide19.xml><?xml version="1.0" encoding="utf-8"?>
 <p:sld xmlns:a="http://schemas.openxmlformats.org/drawingml/2006/main" xmlns:r="http://schemas.openxmlformats.org/officeDocument/2006/relationships" xmlns:p="http://schemas.openxmlformats.org/presentationml/2006/main">
   <p:cSld>
@@ -13813,7 +13696,7 @@
             <a:pPr lvl="0"/>
             <a:r>
               <a:rPr lang="en-GB" sz="4000" dirty="0"/>
-              <a:t>Example: the frozen lake (1)</a:t>
+              <a:t>MDP framework</a:t>
             </a:r>
             <a:endParaRPr sz="4000" dirty="0"/>
           </a:p>
@@ -13832,7 +13715,7 @@
         <p:spPr>
           <a:xfrm>
             <a:off x="162750" y="1043733"/>
-            <a:ext cx="8818500" cy="5100000"/>
+            <a:ext cx="8818500" cy="5393034"/>
           </a:xfrm>
           <a:prstGeom prst="rect">
             <a:avLst/>
@@ -13847,70 +13730,117 @@
             <a:pPr lvl="0"/>
             <a:r>
               <a:rPr lang="en-GB" dirty="0"/>
-              <a:t>A simple </a:t>
+              <a:t>The MDP framework is </a:t>
             </a:r>
             <a:r>
               <a:rPr lang="en-GB" b="1" dirty="0"/>
-              <a:t>grid-world environment </a:t>
+              <a:t>abstract</a:t>
+            </a:r>
+            <a:r>
+              <a:rPr lang="en-GB" dirty="0"/>
+              <a:t> and </a:t>
+            </a:r>
+            <a:r>
+              <a:rPr lang="en-GB" b="1" dirty="0"/>
+              <a:t>flexible</a:t>
+            </a:r>
+            <a:r>
+              <a:rPr lang="en-GB" dirty="0"/>
+              <a:t> and can be applied to many different problems in many ways</a:t>
             </a:r>
           </a:p>
           <a:p>
             <a:pPr lvl="1"/>
             <a:r>
               <a:rPr lang="en-GB" dirty="0"/>
-              <a:t>discrete state and action spaces </a:t>
+              <a:t>actions can be low-level controls (the voltages applied to the motors of a robot arm)</a:t>
             </a:r>
           </a:p>
           <a:p>
             <a:pPr lvl="1"/>
             <a:r>
               <a:rPr lang="en-GB" dirty="0"/>
-              <a:t>the task is to go from a start to a goal location, avoiding falling into holes</a:t>
+              <a:t>or high-level decisions (whether to have lunch)</a:t>
             </a:r>
           </a:p>
           <a:p>
             <a:pPr lvl="1"/>
             <a:r>
               <a:rPr lang="en-GB" dirty="0"/>
-              <a:t>the challenge is that the surface is slippery: the agent moves only a third of the time as intended, the other two-thirds are split evenly in orthogonal directions</a:t>
-            </a:r>
+              <a:t>states can take a wide variety of forms</a:t>
+            </a:r>
+          </a:p>
+          <a:p>
+            <a:pPr lvl="2"/>
+            <a:r>
+              <a:rPr lang="en-GB" dirty="0"/>
+              <a:t>can be completely determined by low-level sensations (direct sensor readings) </a:t>
+            </a:r>
+          </a:p>
+          <a:p>
+            <a:pPr lvl="2"/>
+            <a:r>
+              <a:rPr lang="en-GB" dirty="0"/>
+              <a:t>can be more high-level and abstract (symbolic descriptions of objects in a room)</a:t>
+            </a:r>
+          </a:p>
+          <a:p>
+            <a:r>
+              <a:rPr lang="en-GB" dirty="0"/>
+              <a:t>In general, actions can be any decisions we want to learn how to make, and the states can be anything we can know that might be useful in making them!</a:t>
+            </a:r>
+          </a:p>
+          <a:p>
+            <a:endParaRPr lang="en-GB" sz="1050" dirty="0"/>
+          </a:p>
+          <a:p>
+            <a:r>
+              <a:rPr lang="en-GB" dirty="0"/>
+              <a:t>There are many extensions to the framework</a:t>
+            </a:r>
+          </a:p>
+          <a:p>
+            <a:pPr lvl="1"/>
+            <a:r>
+              <a:rPr lang="en-GB" b="1" dirty="0"/>
+              <a:t>Partially observable Markov decision process: </a:t>
+            </a:r>
+            <a:r>
+              <a:rPr lang="en-GB" dirty="0"/>
+              <a:t>when the agent cannot fully observe the environment state</a:t>
+            </a:r>
+          </a:p>
+          <a:p>
+            <a:pPr lvl="1"/>
+            <a:r>
+              <a:rPr lang="en-GB" b="1" dirty="0"/>
+              <a:t>Continuous Markov decision process: </a:t>
+            </a:r>
+            <a:r>
+              <a:rPr lang="en-GB" dirty="0"/>
+              <a:t>when time, action, state or any combination of them are continuous</a:t>
+            </a:r>
+          </a:p>
+          <a:p>
+            <a:pPr lvl="1"/>
+            <a:r>
+              <a:rPr lang="en-GB" b="1" dirty="0"/>
+              <a:t>Multi-agent Markov decision process: </a:t>
+            </a:r>
+            <a:r>
+              <a:rPr lang="en-GB" dirty="0"/>
+              <a:t>to allows the inclusion of multiple agents in the same environment</a:t>
+            </a:r>
+          </a:p>
+          <a:p>
+            <a:endParaRPr lang="en-GB" dirty="0"/>
           </a:p>
         </p:txBody>
       </p:sp>
-      <p:pic>
-        <p:nvPicPr>
-          <p:cNvPr id="3" name="Immagine 2">
-            <a:extLst>
-              <a:ext uri="{FF2B5EF4-FFF2-40B4-BE49-F238E27FC236}">
-                <a16:creationId xmlns:a16="http://schemas.microsoft.com/office/drawing/2014/main" id="{9D698964-6810-0A38-210E-1AC551FB61ED}"/>
-              </a:ext>
-            </a:extLst>
-          </p:cNvPr>
-          <p:cNvPicPr>
-            <a:picLocks noChangeAspect="1"/>
-          </p:cNvPicPr>
-          <p:nvPr/>
-        </p:nvPicPr>
-        <p:blipFill>
-          <a:blip r:embed="rId3"/>
-          <a:stretch>
-            <a:fillRect/>
-          </a:stretch>
-        </p:blipFill>
-        <p:spPr>
-          <a:xfrm>
-            <a:off x="709024" y="2806326"/>
-            <a:ext cx="7543800" cy="3657600"/>
-          </a:xfrm>
-          <a:prstGeom prst="rect">
-            <a:avLst/>
-          </a:prstGeom>
-        </p:spPr>
-      </p:pic>
     </p:spTree>
     <p:extLst>
       <p:ext uri="{BB962C8B-B14F-4D97-AF65-F5344CB8AC3E}">
-        <p14:creationId xmlns:p14="http://schemas.microsoft.com/office/powerpoint/2010/main" val="635836889"/>
+        <p14:creationId xmlns:p14="http://schemas.microsoft.com/office/powerpoint/2010/main" val="2677523252"/>
       </p:ext>
     </p:extLst>
   </p:cSld>
@@ -13991,8 +13921,8 @@
         </p:nvSpPr>
         <p:spPr>
           <a:xfrm>
-            <a:off x="311700" y="1103923"/>
-            <a:ext cx="8520600" cy="5492869"/>
+            <a:off x="311700" y="1388403"/>
+            <a:ext cx="8520600" cy="4291037"/>
           </a:xfrm>
           <a:prstGeom prst="rect">
             <a:avLst/>
@@ -14014,21 +13944,7 @@
             <a:pPr lvl="0"/>
             <a:r>
               <a:rPr lang="en-GB" sz="1800" dirty="0"/>
-              <a:t>Agent and Environment</a:t>
-            </a:r>
-          </a:p>
-          <a:p>
-            <a:pPr lvl="0"/>
-            <a:r>
-              <a:rPr lang="en-GB" sz="1800" dirty="0"/>
-              <a:t>State Space and Observations</a:t>
-            </a:r>
-          </a:p>
-          <a:p>
-            <a:pPr lvl="0"/>
-            <a:r>
-              <a:rPr lang="en-GB" sz="1800" dirty="0"/>
-              <a:t>Actions and Rewards</a:t>
+              <a:t>Agent, Environment, States, Observations, Actions and Rewards</a:t>
             </a:r>
           </a:p>
           <a:p>
@@ -14042,14 +13958,7 @@
             <a:pPr lvl="0"/>
             <a:r>
               <a:rPr lang="en-GB" sz="1800" dirty="0"/>
-              <a:t>Steps and Episodes</a:t>
-            </a:r>
-          </a:p>
-          <a:p>
-            <a:pPr lvl="0"/>
-            <a:r>
-              <a:rPr lang="en-GB" sz="1800" dirty="0"/>
-              <a:t>Experience</a:t>
+              <a:t>Steps, Episodes and Experience</a:t>
             </a:r>
           </a:p>
           <a:p>
@@ -14070,13 +13979,6 @@
             <a:pPr lvl="0"/>
             <a:r>
               <a:rPr lang="en-GB" sz="1800" dirty="0"/>
-              <a:t>Markov Property</a:t>
-            </a:r>
-          </a:p>
-          <a:p>
-            <a:pPr lvl="0"/>
-            <a:r>
-              <a:rPr lang="en-GB" sz="1800" dirty="0"/>
               <a:t>The Transition function</a:t>
             </a:r>
           </a:p>
@@ -14098,20 +14000,6 @@
             <a:pPr lvl="0"/>
             <a:r>
               <a:rPr lang="en-GB" sz="1800" dirty="0"/>
-              <a:t>The Discount</a:t>
-            </a:r>
-          </a:p>
-          <a:p>
-            <a:pPr lvl="0"/>
-            <a:r>
-              <a:rPr lang="en-GB" sz="1800" dirty="0"/>
-              <a:t>MDP framework</a:t>
-            </a:r>
-          </a:p>
-          <a:p>
-            <a:pPr lvl="0"/>
-            <a:r>
-              <a:rPr lang="en-GB" sz="1800" dirty="0"/>
               <a:t>Example: the frozen lake</a:t>
             </a:r>
           </a:p>
@@ -14121,14 +14009,6 @@
               <a:rPr lang="en-GB" sz="1800" dirty="0"/>
               <a:t>Plan and Policy</a:t>
             </a:r>
-            <a:endParaRPr lang="en-GB" dirty="0"/>
-          </a:p>
-          <a:p>
-            <a:pPr lvl="0"/>
-            <a:endParaRPr lang="en-GB" dirty="0"/>
-          </a:p>
-          <a:p>
-            <a:pPr lvl="0"/>
             <a:endParaRPr lang="en-GB" dirty="0"/>
           </a:p>
         </p:txBody>
@@ -14186,7 +14066,7 @@
             <a:pPr lvl="0"/>
             <a:r>
               <a:rPr lang="en-GB" sz="4000" dirty="0"/>
-              <a:t>Example: the frozen lake (2)</a:t>
+              <a:t>Example: the frozen lake (1)</a:t>
             </a:r>
             <a:endParaRPr sz="4000" dirty="0"/>
           </a:p>
@@ -14220,86 +14100,42 @@
             <a:pPr lvl="0"/>
             <a:r>
               <a:rPr lang="en-GB" dirty="0"/>
-              <a:t>The </a:t>
+              <a:t>A simple </a:t>
             </a:r>
             <a:r>
               <a:rPr lang="en-GB" b="1" dirty="0"/>
-              <a:t>state</a:t>
-            </a:r>
-            <a:r>
-              <a:rPr lang="en-GB" dirty="0"/>
-              <a:t> is composed of a </a:t>
-            </a:r>
-            <a:r>
-              <a:rPr lang="en-GB" b="1" dirty="0"/>
-              <a:t>single variable</a:t>
-            </a:r>
-            <a:r>
-              <a:rPr lang="en-GB" dirty="0"/>
-              <a:t>: the id of the cell where the agent is at any given time</a:t>
+              <a:t>grid-world environment </a:t>
             </a:r>
           </a:p>
           <a:p>
             <a:pPr lvl="1"/>
             <a:r>
               <a:rPr lang="en-GB" dirty="0"/>
-              <a:t>the </a:t>
-            </a:r>
-            <a:r>
-              <a:rPr lang="en-GB" b="1" dirty="0"/>
-              <a:t>size of the state space </a:t>
-            </a:r>
-            <a:r>
-              <a:rPr lang="en-GB" dirty="0"/>
-              <a:t>is 16 (the ids are set from 0 to 15, left to right, top to bottom)</a:t>
+              <a:t>discrete state and action spaces </a:t>
             </a:r>
           </a:p>
           <a:p>
             <a:pPr lvl="1"/>
             <a:r>
               <a:rPr lang="en-GB" dirty="0"/>
-              <a:t>there’s only one </a:t>
-            </a:r>
-            <a:r>
-              <a:rPr lang="en-GB" b="1" dirty="0"/>
-              <a:t>starting state </a:t>
-            </a:r>
-            <a:r>
-              <a:rPr lang="en-GB" dirty="0"/>
-              <a:t>(which is state 0) </a:t>
+              <a:t>the task is to go from a start to a goal location, avoiding falling into holes</a:t>
             </a:r>
           </a:p>
           <a:p>
             <a:pPr lvl="1"/>
             <a:r>
               <a:rPr lang="en-GB" dirty="0"/>
-              <a:t>five </a:t>
-            </a:r>
-            <a:r>
-              <a:rPr lang="en-GB" b="1" dirty="0"/>
-              <a:t>terminal states</a:t>
-            </a:r>
-            <a:r>
-              <a:rPr lang="en-GB" dirty="0"/>
-              <a:t>:</a:t>
-            </a:r>
-          </a:p>
-          <a:p>
-            <a:pPr lvl="1"/>
-            <a:endParaRPr lang="en-GB" dirty="0"/>
-          </a:p>
-          <a:p>
-            <a:pPr lvl="1"/>
-            <a:endParaRPr lang="en-GB" dirty="0"/>
+              <a:t>the challenge is that the surface is slippery: the agent moves only a third of the time as intended, the other two-thirds are split evenly in orthogonal directions</a:t>
+            </a:r>
           </a:p>
         </p:txBody>
       </p:sp>
       <p:pic>
         <p:nvPicPr>
-          <p:cNvPr id="3" name="Immagine 2">
+          <p:cNvPr id="4" name="Immagine 3" descr="Immagine che contiene diagramma, testo, linea, Piano&#10;&#10;Descrizione generata automaticamente">
             <a:extLst>
               <a:ext uri="{FF2B5EF4-FFF2-40B4-BE49-F238E27FC236}">
-                <a16:creationId xmlns:a16="http://schemas.microsoft.com/office/drawing/2014/main" id="{54E22ADE-C1D5-4C60-42F1-3C4C79C16916}"/>
+                <a16:creationId xmlns:a16="http://schemas.microsoft.com/office/drawing/2014/main" id="{C70E5542-A89B-F292-826B-CEC9449D5A34}"/>
               </a:ext>
             </a:extLst>
           </p:cNvPr>
@@ -14316,8 +14152,8 @@
         </p:blipFill>
         <p:spPr>
           <a:xfrm>
-            <a:off x="448178" y="3262728"/>
-            <a:ext cx="7803688" cy="3028889"/>
+            <a:off x="162750" y="2814319"/>
+            <a:ext cx="8571955" cy="3571648"/>
           </a:xfrm>
           <a:prstGeom prst="rect">
             <a:avLst/>
@@ -14327,7 +14163,7 @@
     </p:spTree>
     <p:extLst>
       <p:ext uri="{BB962C8B-B14F-4D97-AF65-F5344CB8AC3E}">
-        <p14:creationId xmlns:p14="http://schemas.microsoft.com/office/powerpoint/2010/main" val="2288803032"/>
+        <p14:creationId xmlns:p14="http://schemas.microsoft.com/office/powerpoint/2010/main" val="635836889"/>
       </p:ext>
     </p:extLst>
   </p:cSld>
@@ -14382,7 +14218,7 @@
             <a:pPr lvl="0"/>
             <a:r>
               <a:rPr lang="en-GB" sz="4000" dirty="0"/>
-              <a:t>Example: the frozen lake (3)</a:t>
+              <a:t>Example: the frozen lake (2)</a:t>
             </a:r>
             <a:endParaRPr sz="4000" dirty="0"/>
           </a:p>
@@ -14400,8 +14236,8 @@
         </p:nvSpPr>
         <p:spPr>
           <a:xfrm>
-            <a:off x="162750" y="1043733"/>
-            <a:ext cx="8818500" cy="5100000"/>
+            <a:off x="162750" y="1336766"/>
+            <a:ext cx="8818500" cy="5226593"/>
           </a:xfrm>
           <a:prstGeom prst="rect">
             <a:avLst/>
@@ -14416,6 +14252,75 @@
             <a:pPr lvl="0"/>
             <a:r>
               <a:rPr lang="en-GB" dirty="0"/>
+              <a:t>The </a:t>
+            </a:r>
+            <a:r>
+              <a:rPr lang="en-GB" b="1" dirty="0"/>
+              <a:t>state</a:t>
+            </a:r>
+            <a:r>
+              <a:rPr lang="en-GB" dirty="0"/>
+              <a:t> is composed of a </a:t>
+            </a:r>
+            <a:r>
+              <a:rPr lang="en-GB" b="1" dirty="0"/>
+              <a:t>single variable</a:t>
+            </a:r>
+            <a:r>
+              <a:rPr lang="en-GB" dirty="0"/>
+              <a:t>: the id of the cell where the agent is at any given time</a:t>
+            </a:r>
+          </a:p>
+          <a:p>
+            <a:pPr lvl="1"/>
+            <a:r>
+              <a:rPr lang="en-GB" dirty="0"/>
+              <a:t>the </a:t>
+            </a:r>
+            <a:r>
+              <a:rPr lang="en-GB" b="1" dirty="0"/>
+              <a:t>size of the state space </a:t>
+            </a:r>
+            <a:r>
+              <a:rPr lang="en-GB" dirty="0"/>
+              <a:t>is 16 (the ids are set from 0 to 15, left to right, top to bottom)</a:t>
+            </a:r>
+          </a:p>
+          <a:p>
+            <a:r>
+              <a:rPr lang="en-GB" dirty="0"/>
+              <a:t>There’s only one </a:t>
+            </a:r>
+            <a:r>
+              <a:rPr lang="en-GB" b="1" dirty="0"/>
+              <a:t>starting state </a:t>
+            </a:r>
+            <a:r>
+              <a:rPr lang="en-GB" dirty="0"/>
+              <a:t>(which is state 0) </a:t>
+            </a:r>
+          </a:p>
+          <a:p>
+            <a:endParaRPr lang="en-GB" dirty="0"/>
+          </a:p>
+          <a:p>
+            <a:r>
+              <a:rPr lang="en-GB" dirty="0"/>
+              <a:t>Five </a:t>
+            </a:r>
+            <a:r>
+              <a:rPr lang="en-GB" b="1" dirty="0"/>
+              <a:t>terminal states</a:t>
+            </a:r>
+          </a:p>
+          <a:p>
+            <a:pPr lvl="0"/>
+            <a:endParaRPr lang="en-GB" dirty="0"/>
+          </a:p>
+          <a:p>
+            <a:pPr lvl="0"/>
+            <a:r>
+              <a:rPr lang="en-GB" dirty="0"/>
               <a:t>There are four available actions in all states</a:t>
             </a:r>
           </a:p>
@@ -14425,6 +14330,49 @@
               <a:rPr lang="en-GB" dirty="0"/>
               <a:t>Up, Down, Right, or Left</a:t>
             </a:r>
+          </a:p>
+          <a:p>
+            <a:pPr lvl="0"/>
+            <a:endParaRPr lang="en-GB" dirty="0"/>
+          </a:p>
+          <a:p>
+            <a:pPr lvl="0"/>
+            <a:r>
+              <a:rPr lang="en-GB" dirty="0"/>
+              <a:t>The environment is </a:t>
+            </a:r>
+            <a:r>
+              <a:rPr lang="en-GB" b="1" dirty="0"/>
+              <a:t>stochastic</a:t>
+            </a:r>
+            <a:endParaRPr lang="en-GB" dirty="0"/>
+          </a:p>
+          <a:p>
+            <a:pPr lvl="1"/>
+            <a:r>
+              <a:rPr lang="en-GB" dirty="0"/>
+              <a:t>the probability of the next state 𝑠′ given the current state 𝑠 and action 𝑎 is less than 1</a:t>
+            </a:r>
+          </a:p>
+          <a:p>
+            <a:pPr lvl="1"/>
+            <a:r>
+              <a:rPr lang="en-GB" dirty="0"/>
+              <a:t>there are more than one possible next state</a:t>
+            </a:r>
+          </a:p>
+          <a:p>
+            <a:endParaRPr lang="en-GB" dirty="0"/>
+          </a:p>
+          <a:p>
+            <a:r>
+              <a:rPr lang="en-GB" dirty="0"/>
+              <a:t>The reward function is +1 for landing in state 15, 0 otherwise</a:t>
+            </a:r>
+            <a:br>
+              <a:rPr lang="en-GB" b="1" dirty="0"/>
+            </a:br>
+            <a:endParaRPr lang="en-GB" dirty="0"/>
           </a:p>
           <a:p>
             <a:pPr lvl="1"/>
@@ -14436,40 +14384,10 @@
           </a:p>
         </p:txBody>
       </p:sp>
-      <p:pic>
-        <p:nvPicPr>
-          <p:cNvPr id="2" name="Immagine 1">
-            <a:extLst>
-              <a:ext uri="{FF2B5EF4-FFF2-40B4-BE49-F238E27FC236}">
-                <a16:creationId xmlns:a16="http://schemas.microsoft.com/office/drawing/2014/main" id="{DF568B29-4E99-A3CF-2B9A-96B190172962}"/>
-              </a:ext>
-            </a:extLst>
-          </p:cNvPr>
-          <p:cNvPicPr>
-            <a:picLocks noChangeAspect="1"/>
-          </p:cNvPicPr>
-          <p:nvPr/>
-        </p:nvPicPr>
-        <p:blipFill>
-          <a:blip r:embed="rId3"/>
-          <a:stretch>
-            <a:fillRect/>
-          </a:stretch>
-        </p:blipFill>
-        <p:spPr>
-          <a:xfrm>
-            <a:off x="284426" y="2000167"/>
-            <a:ext cx="8547874" cy="4045791"/>
-          </a:xfrm>
-          <a:prstGeom prst="rect">
-            <a:avLst/>
-          </a:prstGeom>
-        </p:spPr>
-      </p:pic>
     </p:spTree>
     <p:extLst>
       <p:ext uri="{BB962C8B-B14F-4D97-AF65-F5344CB8AC3E}">
-        <p14:creationId xmlns:p14="http://schemas.microsoft.com/office/powerpoint/2010/main" val="852930802"/>
+        <p14:creationId xmlns:p14="http://schemas.microsoft.com/office/powerpoint/2010/main" val="2288803032"/>
       </p:ext>
     </p:extLst>
   </p:cSld>
@@ -14524,74 +14442,18 @@
             <a:pPr lvl="0"/>
             <a:r>
               <a:rPr lang="en-GB" sz="4000" dirty="0"/>
-              <a:t>Example: the frozen lake (4)</a:t>
+              <a:t>Example: the frozen lake (3)</a:t>
             </a:r>
             <a:endParaRPr sz="4000" dirty="0"/>
-          </a:p>
-        </p:txBody>
-      </p:sp>
-      <p:sp>
-        <p:nvSpPr>
-          <p:cNvPr id="84" name="Google Shape;84;p14"/>
-          <p:cNvSpPr txBox="1">
-            <a:spLocks noGrp="1"/>
-          </p:cNvSpPr>
-          <p:nvPr>
-            <p:ph type="body" idx="1"/>
-          </p:nvPr>
-        </p:nvSpPr>
-        <p:spPr>
-          <a:xfrm>
-            <a:off x="162750" y="1036588"/>
-            <a:ext cx="8818500" cy="5100000"/>
-          </a:xfrm>
-          <a:prstGeom prst="rect">
-            <a:avLst/>
-          </a:prstGeom>
-        </p:spPr>
-        <p:txBody>
-          <a:bodyPr spcFirstLastPara="1" wrap="square" lIns="91425" tIns="91425" rIns="91425" bIns="91425" anchor="t" anchorCtr="0">
-            <a:noAutofit/>
-          </a:bodyPr>
-          <a:lstStyle/>
-          <a:p>
-            <a:pPr lvl="0"/>
-            <a:r>
-              <a:rPr lang="en-GB" dirty="0"/>
-              <a:t>The environment is </a:t>
-            </a:r>
-            <a:r>
-              <a:rPr lang="en-GB" b="1" dirty="0"/>
-              <a:t>stochastic</a:t>
-            </a:r>
-            <a:endParaRPr lang="en-GB" dirty="0"/>
-          </a:p>
-          <a:p>
-            <a:pPr lvl="1"/>
-            <a:r>
-              <a:rPr lang="en-GB" dirty="0"/>
-              <a:t>the probability of the next state 𝑠′ given the current state 𝑠 and action 𝑎 is less than 1</a:t>
-            </a:r>
-          </a:p>
-          <a:p>
-            <a:pPr lvl="1"/>
-            <a:r>
-              <a:rPr lang="en-GB" dirty="0"/>
-              <a:t>there are more than one possible next state</a:t>
-            </a:r>
-          </a:p>
-          <a:p>
-            <a:pPr lvl="1"/>
-            <a:endParaRPr lang="en-GB" dirty="0"/>
           </a:p>
         </p:txBody>
       </p:sp>
       <p:pic>
         <p:nvPicPr>
-          <p:cNvPr id="4" name="Immagine 3">
+          <p:cNvPr id="3" name="Immagine 2" descr="Immagine che contiene diagramma, mappa, linea, Piano&#10;&#10;Descrizione generata automaticamente">
             <a:extLst>
               <a:ext uri="{FF2B5EF4-FFF2-40B4-BE49-F238E27FC236}">
-                <a16:creationId xmlns:a16="http://schemas.microsoft.com/office/drawing/2014/main" id="{CB17357D-3BA1-B6CF-F4B0-06F6D3C3026E}"/>
+                <a16:creationId xmlns:a16="http://schemas.microsoft.com/office/drawing/2014/main" id="{F6ECA377-1820-8DE8-5CFC-AE5B4483DE85}"/>
               </a:ext>
             </a:extLst>
           </p:cNvPr>
@@ -14608,8 +14470,8 @@
         </p:blipFill>
         <p:spPr>
           <a:xfrm>
-            <a:off x="955342" y="2234370"/>
-            <a:ext cx="6550925" cy="4403277"/>
+            <a:off x="581660" y="1043733"/>
+            <a:ext cx="7980680" cy="5544252"/>
           </a:xfrm>
           <a:prstGeom prst="rect">
             <a:avLst/>
@@ -14674,7 +14536,7 @@
             <a:pPr lvl="0"/>
             <a:r>
               <a:rPr lang="en-GB" sz="4000" dirty="0"/>
-              <a:t>Example: the frozen lake (5)</a:t>
+              <a:t>Plan</a:t>
             </a:r>
             <a:endParaRPr sz="4000" dirty="0"/>
           </a:p>
@@ -14692,8 +14554,8 @@
         </p:nvSpPr>
         <p:spPr>
           <a:xfrm>
-            <a:off x="162750" y="1336767"/>
-            <a:ext cx="8818500" cy="5100000"/>
+            <a:off x="162750" y="1080457"/>
+            <a:ext cx="8818500" cy="5224230"/>
           </a:xfrm>
           <a:prstGeom prst="rect">
             <a:avLst/>
@@ -14708,7 +14570,58 @@
             <a:pPr lvl="0"/>
             <a:r>
               <a:rPr lang="en-GB" dirty="0"/>
-              <a:t>The reward function is +1 for landing in state 15, 0 otherwise</a:t>
+              <a:t>At first, it seems the agent’s goal is to find a </a:t>
+            </a:r>
+            <a:r>
+              <a:rPr lang="en-GB" b="1" dirty="0"/>
+              <a:t>sequence of actions</a:t>
+            </a:r>
+            <a:r>
+              <a:rPr lang="en-GB" dirty="0"/>
+              <a:t> that will maximize the return (sum of rewards)</a:t>
+            </a:r>
+          </a:p>
+          <a:p>
+            <a:pPr lvl="1"/>
+            <a:r>
+              <a:rPr lang="en-GB" dirty="0"/>
+              <a:t>something called a </a:t>
+            </a:r>
+            <a:r>
+              <a:rPr lang="en-GB" b="1" dirty="0"/>
+              <a:t>plan</a:t>
+            </a:r>
+            <a:r>
+              <a:rPr lang="en-GB" dirty="0"/>
+              <a:t>, a sequence of actions from the initial state to the target state</a:t>
+            </a:r>
+          </a:p>
+          <a:p>
+            <a:r>
+              <a:rPr lang="en-GB" dirty="0"/>
+              <a:t>This isn’t enough! Plan don’t account for </a:t>
+            </a:r>
+            <a:r>
+              <a:rPr lang="en-GB" b="1" dirty="0"/>
+              <a:t>stochasticity</a:t>
+            </a:r>
+            <a:r>
+              <a:rPr lang="en-GB" dirty="0"/>
+              <a:t> in environments</a:t>
+            </a:r>
+          </a:p>
+          <a:p>
+            <a:pPr lvl="1"/>
+            <a:r>
+              <a:rPr lang="en-GB" dirty="0"/>
+              <a:t>actions taken won’t always work the way we intend.</a:t>
+            </a:r>
+          </a:p>
+          <a:p>
+            <a:pPr lvl="1"/>
+            <a:r>
+              <a:rPr lang="en-GB" dirty="0"/>
+              <a:t>what happen if our agent lands on a state not covered by the plan?</a:t>
             </a:r>
           </a:p>
           <a:p>
@@ -14718,81 +14631,6 @@
           <a:p>
             <a:pPr lvl="0"/>
             <a:endParaRPr lang="en-GB" dirty="0"/>
-          </a:p>
-          <a:p>
-            <a:pPr lvl="0"/>
-            <a:endParaRPr lang="en-GB" dirty="0"/>
-          </a:p>
-          <a:p>
-            <a:pPr lvl="0"/>
-            <a:endParaRPr lang="en-GB" dirty="0"/>
-          </a:p>
-          <a:p>
-            <a:pPr lvl="0"/>
-            <a:endParaRPr lang="en-GB" dirty="0"/>
-          </a:p>
-          <a:p>
-            <a:pPr lvl="0"/>
-            <a:endParaRPr lang="en-GB" dirty="0"/>
-          </a:p>
-          <a:p>
-            <a:pPr lvl="0"/>
-            <a:endParaRPr lang="en-GB" dirty="0"/>
-          </a:p>
-          <a:p>
-            <a:pPr lvl="0"/>
-            <a:endParaRPr lang="en-GB" dirty="0"/>
-          </a:p>
-          <a:p>
-            <a:pPr lvl="0"/>
-            <a:endParaRPr lang="en-GB" dirty="0"/>
-          </a:p>
-          <a:p>
-            <a:pPr lvl="0"/>
-            <a:endParaRPr lang="en-GB" dirty="0"/>
-          </a:p>
-          <a:p>
-            <a:pPr lvl="0"/>
-            <a:endParaRPr lang="en-GB" dirty="0"/>
-          </a:p>
-          <a:p>
-            <a:pPr lvl="0"/>
-            <a:endParaRPr lang="en-GB" dirty="0"/>
-          </a:p>
-          <a:p>
-            <a:pPr lvl="0"/>
-            <a:endParaRPr lang="en-GB" dirty="0"/>
-          </a:p>
-          <a:p>
-            <a:pPr lvl="0"/>
-            <a:endParaRPr lang="en-GB" dirty="0"/>
-          </a:p>
-          <a:p>
-            <a:pPr lvl="0"/>
-            <a:r>
-              <a:rPr lang="en-GB" b="1" dirty="0">
-                <a:highlight>
-                  <a:srgbClr val="FFFF00"/>
-                </a:highlight>
-              </a:rPr>
-              <a:t>See “frozen-</a:t>
-            </a:r>
-            <a:r>
-              <a:rPr lang="en-GB" b="1" dirty="0" err="1">
-                <a:highlight>
-                  <a:srgbClr val="FFFF00"/>
-                </a:highlight>
-              </a:rPr>
-              <a:t>lake.ipynb</a:t>
-            </a:r>
-            <a:r>
-              <a:rPr lang="en-GB" b="1" dirty="0">
-                <a:highlight>
-                  <a:srgbClr val="FFFF00"/>
-                </a:highlight>
-              </a:rPr>
-              <a:t>”</a:t>
-            </a:r>
           </a:p>
           <a:p>
             <a:pPr lvl="0"/>
@@ -14806,10 +14644,10 @@
       </p:sp>
       <p:pic>
         <p:nvPicPr>
-          <p:cNvPr id="3" name="Immagine 2">
+          <p:cNvPr id="3" name="Immagine 2" descr="Immagine che contiene diagramma, testo, linea, Piano&#10;&#10;Descrizione generata automaticamente">
             <a:extLst>
               <a:ext uri="{FF2B5EF4-FFF2-40B4-BE49-F238E27FC236}">
-                <a16:creationId xmlns:a16="http://schemas.microsoft.com/office/drawing/2014/main" id="{A9220B9F-26DE-F97C-B182-0C5B8ACF52A6}"/>
+                <a16:creationId xmlns:a16="http://schemas.microsoft.com/office/drawing/2014/main" id="{48666AFB-6F5B-F9AA-B6F2-6E3AF24FBFBB}"/>
               </a:ext>
             </a:extLst>
           </p:cNvPr>
@@ -14826,8 +14664,8 @@
         </p:blipFill>
         <p:spPr>
           <a:xfrm>
-            <a:off x="1174750" y="2140517"/>
-            <a:ext cx="6794500" cy="3492500"/>
+            <a:off x="311699" y="3428999"/>
+            <a:ext cx="8440605" cy="3176571"/>
           </a:xfrm>
           <a:prstGeom prst="rect">
             <a:avLst/>
@@ -14837,7 +14675,7 @@
     </p:spTree>
     <p:extLst>
       <p:ext uri="{BB962C8B-B14F-4D97-AF65-F5344CB8AC3E}">
-        <p14:creationId xmlns:p14="http://schemas.microsoft.com/office/powerpoint/2010/main" val="2423864326"/>
+        <p14:creationId xmlns:p14="http://schemas.microsoft.com/office/powerpoint/2010/main" val="1602265730"/>
       </p:ext>
     </p:extLst>
   </p:cSld>
@@ -14892,7 +14730,7 @@
             <a:pPr lvl="0"/>
             <a:r>
               <a:rPr lang="en-GB" sz="4000" dirty="0"/>
-              <a:t>Plan</a:t>
+              <a:t>Policy</a:t>
             </a:r>
             <a:endParaRPr sz="4000" dirty="0"/>
           </a:p>
@@ -14926,62 +14764,123 @@
             <a:pPr lvl="0"/>
             <a:r>
               <a:rPr lang="en-GB" dirty="0"/>
-              <a:t>At first, it seems the agent’s goal is to find a </a:t>
+              <a:t>We need a </a:t>
             </a:r>
             <a:r>
               <a:rPr lang="en-GB" b="1" dirty="0"/>
-              <a:t>sequence of actions</a:t>
-            </a:r>
-            <a:r>
-              <a:rPr lang="en-GB" dirty="0"/>
-              <a:t> that will maximize the return (sum of rewards)</a:t>
+              <a:t>policy</a:t>
+            </a:r>
+            <a:r>
+              <a:rPr lang="en-GB" dirty="0"/>
+              <a:t>:</a:t>
+            </a:r>
+            <a:r>
+              <a:rPr lang="en-GB" b="1" dirty="0"/>
+              <a:t> </a:t>
+            </a:r>
+            <a:r>
+              <a:rPr lang="en-GB" dirty="0"/>
+              <a:t>a </a:t>
+            </a:r>
+            <a:r>
+              <a:rPr lang="en-GB" b="1" dirty="0"/>
+              <a:t>universal plan</a:t>
+            </a:r>
+            <a:r>
+              <a:rPr lang="en-GB" dirty="0"/>
+              <a:t>, that </a:t>
+            </a:r>
+            <a:r>
+              <a:rPr lang="en-GB" b="1" dirty="0"/>
+              <a:t>covers all possible states</a:t>
             </a:r>
           </a:p>
           <a:p>
             <a:pPr lvl="1"/>
             <a:r>
-              <a:rPr lang="en-GB" dirty="0"/>
-              <a:t>something called a </a:t>
-            </a:r>
-            <a:r>
               <a:rPr lang="en-GB" b="1" dirty="0"/>
-              <a:t>plan</a:t>
-            </a:r>
-            <a:r>
-              <a:rPr lang="en-GB" dirty="0"/>
-              <a:t>, a sequence of actions from the initial state to the target state</a:t>
-            </a:r>
-          </a:p>
-          <a:p>
-            <a:r>
-              <a:rPr lang="en-GB" dirty="0"/>
-              <a:t>This isn’t enough! Plan don’t account for </a:t>
-            </a:r>
+              <a:t>deterministic</a:t>
+            </a:r>
+            <a:r>
+              <a:rPr lang="en-GB" dirty="0"/>
+              <a:t>: return a single actions for a given state</a:t>
+            </a:r>
+          </a:p>
+          <a:p>
+            <a:pPr lvl="1"/>
             <a:r>
               <a:rPr lang="en-GB" b="1" dirty="0"/>
-              <a:t>stochasticity</a:t>
-            </a:r>
-            <a:r>
-              <a:rPr lang="en-GB" dirty="0"/>
-              <a:t> in environments</a:t>
+              <a:t>stochastic</a:t>
+            </a:r>
+            <a:r>
+              <a:rPr lang="en-GB" dirty="0"/>
+              <a:t>: return action-probability distributions for a given state</a:t>
             </a:r>
           </a:p>
           <a:p>
             <a:pPr lvl="1"/>
-            <a:r>
-              <a:rPr lang="en-GB" dirty="0"/>
-              <a:t>actions taken won’t always work the way we intend.</a:t>
-            </a:r>
+            <a:endParaRPr lang="en-GB" dirty="0"/>
           </a:p>
           <a:p>
             <a:pPr lvl="1"/>
-            <a:r>
-              <a:rPr lang="en-GB" dirty="0"/>
-              <a:t>what happen if our agent lands on a state not covered by the plan?</a:t>
-            </a:r>
-          </a:p>
-          <a:p>
-            <a:pPr lvl="0"/>
+            <a:endParaRPr lang="en-GB" dirty="0"/>
+          </a:p>
+          <a:p>
+            <a:pPr marL="590550" lvl="1" indent="0">
+              <a:buNone/>
+            </a:pPr>
+            <a:endParaRPr lang="en-GB" dirty="0"/>
+          </a:p>
+          <a:p>
+            <a:r>
+              <a:rPr lang="en-GB" dirty="0"/>
+              <a:t>How much reward should we expect from a policy? </a:t>
+            </a:r>
+          </a:p>
+          <a:p>
+            <a:pPr lvl="1"/>
+            <a:r>
+              <a:rPr lang="en-GB" dirty="0"/>
+              <a:t>the returns?</a:t>
+            </a:r>
+          </a:p>
+          <a:p>
+            <a:pPr lvl="1"/>
+            <a:r>
+              <a:rPr lang="en-GB" dirty="0"/>
+              <a:t>even though agent acts optimally, the environment might send it to a hole (in the frozen lake example)</a:t>
+            </a:r>
+          </a:p>
+          <a:p>
+            <a:pPr lvl="1"/>
+            <a:r>
+              <a:rPr lang="en-GB" dirty="0"/>
+              <a:t>the agent is looking to </a:t>
+            </a:r>
+            <a:r>
+              <a:rPr lang="en-GB" b="1" dirty="0"/>
+              <a:t>maximize the expected return</a:t>
+            </a:r>
+          </a:p>
+          <a:p>
+            <a:pPr lvl="2"/>
+            <a:r>
+              <a:rPr lang="en-GB" dirty="0"/>
+              <a:t>to consider the environment’s stochasticity</a:t>
+            </a:r>
+          </a:p>
+          <a:p>
+            <a:pPr lvl="1"/>
+            <a:endParaRPr lang="en-GB" dirty="0"/>
+          </a:p>
+          <a:p>
+            <a:r>
+              <a:rPr lang="en-GB" dirty="0"/>
+              <a:t>We need methods to find policies!</a:t>
+            </a:r>
+          </a:p>
+          <a:p>
+            <a:pPr lvl="1"/>
             <a:endParaRPr lang="en-GB" dirty="0"/>
           </a:p>
           <a:p>
@@ -15000,10 +14899,10 @@
       </p:sp>
       <p:pic>
         <p:nvPicPr>
-          <p:cNvPr id="4" name="Immagine 3">
+          <p:cNvPr id="3" name="Immagine 2" descr="Immagine che contiene Carattere, calligrafia, tipografia, bianco&#10;&#10;Descrizione generata automaticamente">
             <a:extLst>
               <a:ext uri="{FF2B5EF4-FFF2-40B4-BE49-F238E27FC236}">
-                <a16:creationId xmlns:a16="http://schemas.microsoft.com/office/drawing/2014/main" id="{2A63E7D8-8EC6-38EC-96E9-864C8BA5FBBD}"/>
+                <a16:creationId xmlns:a16="http://schemas.microsoft.com/office/drawing/2014/main" id="{F35E2716-A069-08D1-7072-590C02EDCD2A}"/>
               </a:ext>
             </a:extLst>
           </p:cNvPr>
@@ -15020,263 +14919,8 @@
         </p:blipFill>
         <p:spPr>
           <a:xfrm>
-            <a:off x="665841" y="3824652"/>
-            <a:ext cx="7493000" cy="2336800"/>
-          </a:xfrm>
-          <a:prstGeom prst="rect">
-            <a:avLst/>
-          </a:prstGeom>
-        </p:spPr>
-      </p:pic>
-    </p:spTree>
-    <p:extLst>
-      <p:ext uri="{BB962C8B-B14F-4D97-AF65-F5344CB8AC3E}">
-        <p14:creationId xmlns:p14="http://schemas.microsoft.com/office/powerpoint/2010/main" val="1602265730"/>
-      </p:ext>
-    </p:extLst>
-  </p:cSld>
-  <p:clrMapOvr>
-    <a:masterClrMapping/>
-  </p:clrMapOvr>
-</p:sld>
-</file>
-
-<file path=ppt/slides/slide25.xml><?xml version="1.0" encoding="utf-8"?>
-<p:sld xmlns:a="http://schemas.openxmlformats.org/drawingml/2006/main" xmlns:r="http://schemas.openxmlformats.org/officeDocument/2006/relationships" xmlns:p="http://schemas.openxmlformats.org/presentationml/2006/main">
-  <p:cSld>
-    <p:spTree>
-      <p:nvGrpSpPr>
-        <p:cNvPr id="1" name="Shape 82"/>
-        <p:cNvGrpSpPr/>
-        <p:nvPr/>
-      </p:nvGrpSpPr>
-      <p:grpSpPr>
-        <a:xfrm>
-          <a:off x="0" y="0"/>
-          <a:ext cx="0" cy="0"/>
-          <a:chOff x="0" y="0"/>
-          <a:chExt cx="0" cy="0"/>
-        </a:xfrm>
-      </p:grpSpPr>
-      <p:sp>
-        <p:nvSpPr>
-          <p:cNvPr id="83" name="Google Shape;83;p14"/>
-          <p:cNvSpPr txBox="1">
-            <a:spLocks noGrp="1"/>
-          </p:cNvSpPr>
-          <p:nvPr>
-            <p:ph type="title" idx="4294967295"/>
-          </p:nvPr>
-        </p:nvSpPr>
-        <p:spPr>
-          <a:xfrm>
-            <a:off x="311700" y="421233"/>
-            <a:ext cx="8520600" cy="622500"/>
-          </a:xfrm>
-          <a:prstGeom prst="rect">
-            <a:avLst/>
-          </a:prstGeom>
-        </p:spPr>
-        <p:txBody>
-          <a:bodyPr spcFirstLastPara="1" wrap="square" lIns="91425" tIns="91425" rIns="91425" bIns="91425" anchor="b" anchorCtr="0">
-            <a:noAutofit/>
-          </a:bodyPr>
-          <a:lstStyle/>
-          <a:p>
-            <a:pPr lvl="0"/>
-            <a:r>
-              <a:rPr lang="en-GB" sz="4000" dirty="0"/>
-              <a:t>Policy</a:t>
-            </a:r>
-            <a:endParaRPr sz="4000" dirty="0"/>
-          </a:p>
-        </p:txBody>
-      </p:sp>
-      <p:sp>
-        <p:nvSpPr>
-          <p:cNvPr id="84" name="Google Shape;84;p14"/>
-          <p:cNvSpPr txBox="1">
-            <a:spLocks noGrp="1"/>
-          </p:cNvSpPr>
-          <p:nvPr>
-            <p:ph type="body" idx="1"/>
-          </p:nvPr>
-        </p:nvSpPr>
-        <p:spPr>
-          <a:xfrm>
-            <a:off x="162750" y="1212537"/>
-            <a:ext cx="8818500" cy="5224230"/>
-          </a:xfrm>
-          <a:prstGeom prst="rect">
-            <a:avLst/>
-          </a:prstGeom>
-        </p:spPr>
-        <p:txBody>
-          <a:bodyPr spcFirstLastPara="1" wrap="square" lIns="91425" tIns="91425" rIns="91425" bIns="91425" anchor="t" anchorCtr="0">
-            <a:noAutofit/>
-          </a:bodyPr>
-          <a:lstStyle/>
-          <a:p>
-            <a:pPr lvl="0"/>
-            <a:r>
-              <a:rPr lang="en-GB" dirty="0"/>
-              <a:t>We need a </a:t>
-            </a:r>
-            <a:r>
-              <a:rPr lang="en-GB" b="1" dirty="0"/>
-              <a:t>policy</a:t>
-            </a:r>
-            <a:r>
-              <a:rPr lang="en-GB" dirty="0"/>
-              <a:t>:</a:t>
-            </a:r>
-            <a:r>
-              <a:rPr lang="en-GB" b="1" dirty="0"/>
-              <a:t> </a:t>
-            </a:r>
-            <a:r>
-              <a:rPr lang="en-GB" dirty="0"/>
-              <a:t>a </a:t>
-            </a:r>
-            <a:r>
-              <a:rPr lang="en-GB" b="1" dirty="0"/>
-              <a:t>universal plan</a:t>
-            </a:r>
-            <a:r>
-              <a:rPr lang="en-GB" dirty="0"/>
-              <a:t>, that </a:t>
-            </a:r>
-            <a:r>
-              <a:rPr lang="en-GB" b="1" dirty="0"/>
-              <a:t>covers all possible states</a:t>
-            </a:r>
-          </a:p>
-          <a:p>
-            <a:pPr lvl="1"/>
-            <a:r>
-              <a:rPr lang="en-GB" b="1" dirty="0"/>
-              <a:t>deterministic</a:t>
-            </a:r>
-            <a:r>
-              <a:rPr lang="en-GB" dirty="0"/>
-              <a:t>: return a single actions for a given state</a:t>
-            </a:r>
-          </a:p>
-          <a:p>
-            <a:pPr lvl="1"/>
-            <a:r>
-              <a:rPr lang="en-GB" b="1" dirty="0"/>
-              <a:t>stochastic</a:t>
-            </a:r>
-            <a:r>
-              <a:rPr lang="en-GB" dirty="0"/>
-              <a:t>: return action-probability distributions for a given state</a:t>
-            </a:r>
-          </a:p>
-          <a:p>
-            <a:pPr lvl="1"/>
-            <a:endParaRPr lang="en-GB" dirty="0"/>
-          </a:p>
-          <a:p>
-            <a:pPr lvl="1"/>
-            <a:endParaRPr lang="en-GB" dirty="0"/>
-          </a:p>
-          <a:p>
-            <a:pPr marL="590550" lvl="1" indent="0">
-              <a:buNone/>
-            </a:pPr>
-            <a:endParaRPr lang="en-GB" dirty="0"/>
-          </a:p>
-          <a:p>
-            <a:r>
-              <a:rPr lang="en-GB" dirty="0"/>
-              <a:t>How much reward should we expect from a policy? </a:t>
-            </a:r>
-          </a:p>
-          <a:p>
-            <a:pPr lvl="1"/>
-            <a:r>
-              <a:rPr lang="en-GB" dirty="0"/>
-              <a:t>the returns?</a:t>
-            </a:r>
-          </a:p>
-          <a:p>
-            <a:pPr lvl="1"/>
-            <a:r>
-              <a:rPr lang="en-GB" dirty="0"/>
-              <a:t>even though agent acts optimally, the environment might send it to a hole (in the frozen lake example)</a:t>
-            </a:r>
-          </a:p>
-          <a:p>
-            <a:pPr lvl="1"/>
-            <a:r>
-              <a:rPr lang="en-GB" dirty="0"/>
-              <a:t>the agent is looking to </a:t>
-            </a:r>
-            <a:r>
-              <a:rPr lang="en-GB" b="1" dirty="0"/>
-              <a:t>maximize the expected return</a:t>
-            </a:r>
-          </a:p>
-          <a:p>
-            <a:pPr lvl="2"/>
-            <a:r>
-              <a:rPr lang="en-GB" dirty="0"/>
-              <a:t>to consider the environment’s stochasticity</a:t>
-            </a:r>
-          </a:p>
-          <a:p>
-            <a:pPr lvl="1"/>
-            <a:endParaRPr lang="en-GB" dirty="0"/>
-          </a:p>
-          <a:p>
-            <a:r>
-              <a:rPr lang="en-GB" dirty="0"/>
-              <a:t>We need methods to find policies!</a:t>
-            </a:r>
-          </a:p>
-          <a:p>
-            <a:pPr lvl="1"/>
-            <a:endParaRPr lang="en-GB" dirty="0"/>
-          </a:p>
-          <a:p>
-            <a:pPr lvl="0"/>
-            <a:endParaRPr lang="en-GB" dirty="0"/>
-          </a:p>
-          <a:p>
-            <a:pPr lvl="0"/>
-            <a:endParaRPr lang="en-GB" dirty="0"/>
-          </a:p>
-          <a:p>
-            <a:pPr lvl="1"/>
-            <a:endParaRPr lang="en-GB" dirty="0"/>
-          </a:p>
-        </p:txBody>
-      </p:sp>
-      <p:pic>
-        <p:nvPicPr>
-          <p:cNvPr id="9" name="Immagine 8">
-            <a:extLst>
-              <a:ext uri="{FF2B5EF4-FFF2-40B4-BE49-F238E27FC236}">
-                <a16:creationId xmlns:a16="http://schemas.microsoft.com/office/drawing/2014/main" id="{130A8276-CD8C-0CDC-504C-5EB1E6B4EE17}"/>
-              </a:ext>
-            </a:extLst>
-          </p:cNvPr>
-          <p:cNvPicPr>
-            <a:picLocks noChangeAspect="1"/>
-          </p:cNvPicPr>
-          <p:nvPr/>
-        </p:nvPicPr>
-        <p:blipFill>
-          <a:blip r:embed="rId3"/>
-          <a:stretch>
-            <a:fillRect/>
-          </a:stretch>
-        </p:blipFill>
-        <p:spPr>
-          <a:xfrm>
-            <a:off x="1028543" y="2438022"/>
-            <a:ext cx="3046278" cy="599661"/>
+            <a:off x="1170940" y="2443480"/>
+            <a:ext cx="3136900" cy="487285"/>
           </a:xfrm>
           <a:prstGeom prst="rect">
             <a:avLst/>
@@ -15545,36 +15189,6 @@
           <a:chExt cx="0" cy="0"/>
         </a:xfrm>
       </p:grpSpPr>
-      <p:pic>
-        <p:nvPicPr>
-          <p:cNvPr id="3" name="Immagine 2">
-            <a:extLst>
-              <a:ext uri="{FF2B5EF4-FFF2-40B4-BE49-F238E27FC236}">
-                <a16:creationId xmlns:a16="http://schemas.microsoft.com/office/drawing/2014/main" id="{674E15D2-3951-6F58-7582-C0EB4A615F1D}"/>
-              </a:ext>
-            </a:extLst>
-          </p:cNvPr>
-          <p:cNvPicPr>
-            <a:picLocks noChangeAspect="1"/>
-          </p:cNvPicPr>
-          <p:nvPr/>
-        </p:nvPicPr>
-        <p:blipFill>
-          <a:blip r:embed="rId3"/>
-          <a:stretch>
-            <a:fillRect/>
-          </a:stretch>
-        </p:blipFill>
-        <p:spPr>
-          <a:xfrm>
-            <a:off x="1413163" y="2200645"/>
-            <a:ext cx="6049510" cy="3494375"/>
-          </a:xfrm>
-          <a:prstGeom prst="rect">
-            <a:avLst/>
-          </a:prstGeom>
-        </p:spPr>
-      </p:pic>
       <p:sp>
         <p:nvSpPr>
           <p:cNvPr id="83" name="Google Shape;83;p14"/>
@@ -15622,7 +15236,7 @@
         <p:spPr>
           <a:xfrm>
             <a:off x="162750" y="1008107"/>
-            <a:ext cx="8818500" cy="5558947"/>
+            <a:ext cx="8669550" cy="5220165"/>
           </a:xfrm>
           <a:prstGeom prst="rect">
             <a:avLst/>
@@ -15730,6 +15344,36 @@
           </a:p>
         </p:txBody>
       </p:sp>
+      <p:pic>
+        <p:nvPicPr>
+          <p:cNvPr id="4" name="Immagine 3" descr="Immagine che contiene diagramma, testo, linea, Piano&#10;&#10;Descrizione generata automaticamente">
+            <a:extLst>
+              <a:ext uri="{FF2B5EF4-FFF2-40B4-BE49-F238E27FC236}">
+                <a16:creationId xmlns:a16="http://schemas.microsoft.com/office/drawing/2014/main" id="{E3696685-C867-9261-0334-1577B78ED45B}"/>
+              </a:ext>
+            </a:extLst>
+          </p:cNvPr>
+          <p:cNvPicPr>
+            <a:picLocks noChangeAspect="1"/>
+          </p:cNvPicPr>
+          <p:nvPr/>
+        </p:nvPicPr>
+        <p:blipFill>
+          <a:blip r:embed="rId3"/>
+          <a:stretch>
+            <a:fillRect/>
+          </a:stretch>
+        </p:blipFill>
+        <p:spPr>
+          <a:xfrm>
+            <a:off x="1310640" y="2487402"/>
+            <a:ext cx="6180741" cy="3363720"/>
+          </a:xfrm>
+          <a:prstGeom prst="rect">
+            <a:avLst/>
+          </a:prstGeom>
+        </p:spPr>
+      </p:pic>
     </p:spTree>
     <p:extLst>
       <p:ext uri="{BB962C8B-B14F-4D97-AF65-F5344CB8AC3E}">
@@ -15908,168 +15552,36 @@
           </a:p>
         </p:txBody>
       </p:sp>
-      <p:grpSp>
-        <p:nvGrpSpPr>
-          <p:cNvPr id="8" name="Gruppo 7">
+      <p:pic>
+        <p:nvPicPr>
+          <p:cNvPr id="3" name="Immagine 2" descr="Immagine che contiene testo, diagramma, presa, design&#10;&#10;Descrizione generata automaticamente">
             <a:extLst>
               <a:ext uri="{FF2B5EF4-FFF2-40B4-BE49-F238E27FC236}">
-                <a16:creationId xmlns:a16="http://schemas.microsoft.com/office/drawing/2014/main" id="{76E119E0-3152-62BD-BDB3-39042BF2F1A5}"/>
+                <a16:creationId xmlns:a16="http://schemas.microsoft.com/office/drawing/2014/main" id="{B574B32B-D41F-12B5-09C4-A21023020B93}"/>
               </a:ext>
             </a:extLst>
           </p:cNvPr>
-          <p:cNvGrpSpPr/>
+          <p:cNvPicPr>
+            <a:picLocks noChangeAspect="1"/>
+          </p:cNvPicPr>
           <p:nvPr/>
-        </p:nvGrpSpPr>
-        <p:grpSpPr>
+        </p:nvPicPr>
+        <p:blipFill>
+          <a:blip r:embed="rId3"/>
+          <a:stretch>
+            <a:fillRect/>
+          </a:stretch>
+        </p:blipFill>
+        <p:spPr>
           <a:xfrm>
-            <a:off x="1436888" y="4040376"/>
-            <a:ext cx="2509322" cy="2423991"/>
-            <a:chOff x="413163" y="4015037"/>
-            <a:chExt cx="2509322" cy="2423991"/>
+            <a:off x="2092961" y="3975892"/>
+            <a:ext cx="4829706" cy="2689180"/>
           </a:xfrm>
-        </p:grpSpPr>
-        <p:pic>
-          <p:nvPicPr>
-            <p:cNvPr id="5" name="Immagine 4">
-              <a:extLst>
-                <a:ext uri="{FF2B5EF4-FFF2-40B4-BE49-F238E27FC236}">
-                  <a16:creationId xmlns:a16="http://schemas.microsoft.com/office/drawing/2014/main" id="{32BFCBAB-B883-C97F-EB56-9BCA8EFD7C98}"/>
-                </a:ext>
-              </a:extLst>
-            </p:cNvPr>
-            <p:cNvPicPr>
-              <a:picLocks noChangeAspect="1"/>
-            </p:cNvPicPr>
-            <p:nvPr/>
-          </p:nvPicPr>
-          <p:blipFill>
-            <a:blip r:embed="rId3"/>
-            <a:stretch>
-              <a:fillRect/>
-            </a:stretch>
-          </p:blipFill>
-          <p:spPr>
-            <a:xfrm>
-              <a:off x="697016" y="4015037"/>
-              <a:ext cx="1941616" cy="1600035"/>
-            </a:xfrm>
-            <a:prstGeom prst="rect">
-              <a:avLst/>
-            </a:prstGeom>
-          </p:spPr>
-        </p:pic>
-        <p:pic>
-          <p:nvPicPr>
-            <p:cNvPr id="7" name="Immagine 6">
-              <a:extLst>
-                <a:ext uri="{FF2B5EF4-FFF2-40B4-BE49-F238E27FC236}">
-                  <a16:creationId xmlns:a16="http://schemas.microsoft.com/office/drawing/2014/main" id="{40DBC67E-51C8-0100-997A-3D832D4D8980}"/>
-                </a:ext>
-              </a:extLst>
-            </p:cNvPr>
-            <p:cNvPicPr>
-              <a:picLocks noChangeAspect="1"/>
-            </p:cNvPicPr>
-            <p:nvPr/>
-          </p:nvPicPr>
-          <p:blipFill>
-            <a:blip r:embed="rId4"/>
-            <a:stretch>
-              <a:fillRect/>
-            </a:stretch>
-          </p:blipFill>
-          <p:spPr>
-            <a:xfrm>
-              <a:off x="413163" y="5615072"/>
-              <a:ext cx="2509322" cy="823956"/>
-            </a:xfrm>
-            <a:prstGeom prst="rect">
-              <a:avLst/>
-            </a:prstGeom>
-          </p:spPr>
-        </p:pic>
-      </p:grpSp>
-      <p:grpSp>
-        <p:nvGrpSpPr>
-          <p:cNvPr id="13" name="Gruppo 12">
-            <a:extLst>
-              <a:ext uri="{FF2B5EF4-FFF2-40B4-BE49-F238E27FC236}">
-                <a16:creationId xmlns:a16="http://schemas.microsoft.com/office/drawing/2014/main" id="{06C159A0-B8B5-40E9-02ED-983116530DFD}"/>
-              </a:ext>
-            </a:extLst>
-          </p:cNvPr>
-          <p:cNvGrpSpPr/>
-          <p:nvPr/>
-        </p:nvGrpSpPr>
-        <p:grpSpPr>
-          <a:xfrm>
-            <a:off x="5056690" y="4040376"/>
-            <a:ext cx="2509322" cy="2517764"/>
-            <a:chOff x="4771682" y="4046605"/>
-            <a:chExt cx="2509322" cy="2517764"/>
-          </a:xfrm>
-        </p:grpSpPr>
-        <p:pic>
-          <p:nvPicPr>
-            <p:cNvPr id="10" name="Immagine 9">
-              <a:extLst>
-                <a:ext uri="{FF2B5EF4-FFF2-40B4-BE49-F238E27FC236}">
-                  <a16:creationId xmlns:a16="http://schemas.microsoft.com/office/drawing/2014/main" id="{CE457A6C-F4AE-07DF-22FD-0203427E5E4D}"/>
-                </a:ext>
-              </a:extLst>
-            </p:cNvPr>
-            <p:cNvPicPr>
-              <a:picLocks noChangeAspect="1"/>
-            </p:cNvPicPr>
-            <p:nvPr/>
-          </p:nvPicPr>
-          <p:blipFill>
-            <a:blip r:embed="rId5"/>
-            <a:stretch>
-              <a:fillRect/>
-            </a:stretch>
-          </p:blipFill>
-          <p:spPr>
-            <a:xfrm>
-              <a:off x="5060043" y="4046605"/>
-              <a:ext cx="1932600" cy="1598858"/>
-            </a:xfrm>
-            <a:prstGeom prst="rect">
-              <a:avLst/>
-            </a:prstGeom>
-          </p:spPr>
-        </p:pic>
-        <p:pic>
-          <p:nvPicPr>
-            <p:cNvPr id="12" name="Immagine 11">
-              <a:extLst>
-                <a:ext uri="{FF2B5EF4-FFF2-40B4-BE49-F238E27FC236}">
-                  <a16:creationId xmlns:a16="http://schemas.microsoft.com/office/drawing/2014/main" id="{C697C6E3-A578-4BB5-2F96-37B0F860D0FA}"/>
-                </a:ext>
-              </a:extLst>
-            </p:cNvPr>
-            <p:cNvPicPr>
-              <a:picLocks noChangeAspect="1"/>
-            </p:cNvPicPr>
-            <p:nvPr/>
-          </p:nvPicPr>
-          <p:blipFill>
-            <a:blip r:embed="rId6"/>
-            <a:stretch>
-              <a:fillRect/>
-            </a:stretch>
-          </p:blipFill>
-          <p:spPr>
-            <a:xfrm>
-              <a:off x="4771682" y="5645463"/>
-              <a:ext cx="2509322" cy="918906"/>
-            </a:xfrm>
-            <a:prstGeom prst="rect">
-              <a:avLst/>
-            </a:prstGeom>
-          </p:spPr>
-        </p:pic>
-      </p:grpSp>
+          <a:prstGeom prst="rect">
+            <a:avLst/>
+          </a:prstGeom>
+        </p:spPr>
+      </p:pic>
     </p:spTree>
     <p:extLst>
       <p:ext uri="{BB962C8B-B14F-4D97-AF65-F5344CB8AC3E}">
@@ -16340,10 +15852,10 @@
       </p:sp>
       <p:pic>
         <p:nvPicPr>
-          <p:cNvPr id="2" name="Immagine 1">
+          <p:cNvPr id="4" name="Immagine 3" descr="Immagine che contiene testo, diagramma, Carattere, cerchio&#10;&#10;Descrizione generata automaticamente">
             <a:extLst>
               <a:ext uri="{FF2B5EF4-FFF2-40B4-BE49-F238E27FC236}">
-                <a16:creationId xmlns:a16="http://schemas.microsoft.com/office/drawing/2014/main" id="{DD7459EB-2FB9-EE3F-1B0C-BEEC31DF7753}"/>
+                <a16:creationId xmlns:a16="http://schemas.microsoft.com/office/drawing/2014/main" id="{3FEB5205-9AFA-2830-A7AC-E68C4DA814C0}"/>
               </a:ext>
             </a:extLst>
           </p:cNvPr>
@@ -16352,15 +15864,15 @@
           </p:cNvPicPr>
           <p:nvPr/>
         </p:nvPicPr>
-        <p:blipFill rotWithShape="1">
+        <p:blipFill>
           <a:blip r:embed="rId3"/>
-          <a:srcRect t="2053"/>
+          <a:srcRect t="6959"/>
           <a:stretch/>
         </p:blipFill>
         <p:spPr>
           <a:xfrm>
-            <a:off x="516203" y="1340957"/>
-            <a:ext cx="8111594" cy="5095810"/>
+            <a:off x="0" y="1615440"/>
+            <a:ext cx="9138545" cy="4246880"/>
           </a:xfrm>
           <a:prstGeom prst="rect">
             <a:avLst/>
@@ -16685,10 +16197,10 @@
       </p:sp>
       <p:pic>
         <p:nvPicPr>
-          <p:cNvPr id="4" name="Immagine 3">
+          <p:cNvPr id="3" name="Immagine 2" descr="Immagine che contiene testo, calligrafia, diagramma, linea&#10;&#10;Descrizione generata automaticamente">
             <a:extLst>
               <a:ext uri="{FF2B5EF4-FFF2-40B4-BE49-F238E27FC236}">
-                <a16:creationId xmlns:a16="http://schemas.microsoft.com/office/drawing/2014/main" id="{577B3EB2-1884-58A5-AA7F-C288CC12280D}"/>
+                <a16:creationId xmlns:a16="http://schemas.microsoft.com/office/drawing/2014/main" id="{871700E5-ED34-51E5-A0E9-D1D5330A5C12}"/>
               </a:ext>
             </a:extLst>
           </p:cNvPr>
@@ -16697,15 +16209,15 @@
           </p:cNvPicPr>
           <p:nvPr/>
         </p:nvPicPr>
-        <p:blipFill rotWithShape="1">
+        <p:blipFill>
           <a:blip r:embed="rId3"/>
-          <a:srcRect t="2473"/>
+          <a:srcRect t="9029"/>
           <a:stretch/>
         </p:blipFill>
         <p:spPr>
           <a:xfrm>
-            <a:off x="693469" y="1126861"/>
-            <a:ext cx="7757061" cy="5225484"/>
+            <a:off x="416852" y="1125013"/>
+            <a:ext cx="8415448" cy="4970565"/>
           </a:xfrm>
           <a:prstGeom prst="rect">
             <a:avLst/>

--- a/01 - The RL Problem/slides.pptx
+++ b/01 - The RL Problem/slides.pptx
@@ -11741,7 +11741,7 @@
             <a:pPr lvl="0"/>
             <a:r>
               <a:rPr lang="en-GB" sz="4000" dirty="0"/>
-              <a:t>Delayed consequences</a:t>
+              <a:t>Challenges: delayed consequences</a:t>
             </a:r>
             <a:endParaRPr sz="4000" dirty="0"/>
           </a:p>
@@ -11916,7 +11916,7 @@
             <a:pPr lvl="0"/>
             <a:r>
               <a:rPr lang="en-GB" sz="4000" dirty="0"/>
-              <a:t>Exploration vs Exploitation</a:t>
+              <a:t>Challenges: exploration vs exploitation</a:t>
             </a:r>
             <a:endParaRPr sz="4000" dirty="0"/>
           </a:p>
@@ -12078,7 +12078,7 @@
             <a:pPr lvl="0"/>
             <a:r>
               <a:rPr lang="en-GB" sz="4000" dirty="0"/>
-              <a:t>Learning from sampled feedback</a:t>
+              <a:t>Challenges: learning from sampled feedback</a:t>
             </a:r>
             <a:endParaRPr sz="4000" dirty="0"/>
           </a:p>
@@ -12717,10 +12717,9 @@
           <a:p>
             <a:pPr lvl="0"/>
             <a:r>
-              <a:rPr lang="en-GB" sz="4000"/>
+              <a:rPr lang="en-GB" sz="4000" dirty="0"/>
               <a:t>The Transition function</a:t>
             </a:r>
-            <a:endParaRPr lang="en-GB" sz="4000" dirty="0"/>
           </a:p>
         </p:txBody>
       </p:sp>
@@ -13514,10 +13513,10 @@
             </a:r>
           </a:p>
           <a:p>
-            <a:pPr lvl="1"/>
-            <a:r>
-              <a:rPr lang="en-GB" dirty="0"/>
-              <a:t>tell the agent that getting +1’s is better sooner than later</a:t>
+            <a:pPr lvl="0"/>
+            <a:r>
+              <a:rPr lang="en-GB" dirty="0"/>
+              <a:t>Tell the agent that getting +1’s is better sooner than later</a:t>
             </a:r>
           </a:p>
           <a:p>
@@ -13965,7 +13964,7 @@
             <a:pPr lvl="0"/>
             <a:r>
               <a:rPr lang="en-GB" sz="1800" dirty="0"/>
-              <a:t>Delayed consequences</a:t>
+              <a:t>Challenges: delayed consequences, exploration vs exploitation, learning from sampled feedback, </a:t>
             </a:r>
           </a:p>
           <a:p>
@@ -14125,7 +14124,15 @@
             <a:pPr lvl="1"/>
             <a:r>
               <a:rPr lang="en-GB" dirty="0"/>
-              <a:t>the challenge is that the surface is slippery: the agent moves only a third of the time as intended, the other two-thirds are split evenly in orthogonal directions</a:t>
+              <a:t>the challenge is that the surface is </a:t>
+            </a:r>
+            <a:r>
+              <a:rPr lang="en-GB" b="1" dirty="0"/>
+              <a:t>slippery</a:t>
+            </a:r>
+            <a:r>
+              <a:rPr lang="en-GB" dirty="0"/>
+              <a:t>: the agent moves only a third of the time as intended, the other two-thirds are split evenly in orthogonal directions</a:t>
             </a:r>
           </a:p>
         </p:txBody>
@@ -14154,6 +14161,36 @@
           <a:xfrm>
             <a:off x="162750" y="2814319"/>
             <a:ext cx="8571955" cy="3571648"/>
+          </a:xfrm>
+          <a:prstGeom prst="rect">
+            <a:avLst/>
+          </a:prstGeom>
+        </p:spPr>
+      </p:pic>
+      <p:pic>
+        <p:nvPicPr>
+          <p:cNvPr id="2" name="Immagine 1" descr="Immagine che contiene Carattere, Elementi grafici, logo, cerchio&#10;&#10;Descrizione generata automaticamente">
+            <a:extLst>
+              <a:ext uri="{FF2B5EF4-FFF2-40B4-BE49-F238E27FC236}">
+                <a16:creationId xmlns:a16="http://schemas.microsoft.com/office/drawing/2014/main" id="{956D1750-AF73-2EE1-808A-1B03FEECB59B}"/>
+              </a:ext>
+            </a:extLst>
+          </p:cNvPr>
+          <p:cNvPicPr>
+            <a:picLocks noChangeAspect="1"/>
+          </p:cNvPicPr>
+          <p:nvPr/>
+        </p:nvPicPr>
+        <p:blipFill>
+          <a:blip r:embed="rId4"/>
+          <a:stretch>
+            <a:fillRect/>
+          </a:stretch>
+        </p:blipFill>
+        <p:spPr>
+          <a:xfrm>
+            <a:off x="8573992" y="137435"/>
+            <a:ext cx="407258" cy="495579"/>
           </a:xfrm>
           <a:prstGeom prst="rect">
             <a:avLst/>
@@ -15331,7 +15368,7 @@
           <a:p>
             <a:r>
               <a:rPr lang="en-GB" dirty="0"/>
-              <a:t>The objects to be picked up, the tray where the objects lay, the wind, the robot arm and everything outside the decision maker are part of the environment. </a:t>
+              <a:t>The objects to be picked up, the tray where the objects lay, the wind, the robot arm and everything outside the decision maker are part of the environment </a:t>
             </a:r>
           </a:p>
           <a:p>
@@ -15346,10 +15383,10 @@
       </p:sp>
       <p:pic>
         <p:nvPicPr>
-          <p:cNvPr id="4" name="Immagine 3" descr="Immagine che contiene diagramma, testo, linea, Piano&#10;&#10;Descrizione generata automaticamente">
+          <p:cNvPr id="3" name="Immagine 2" descr="Immagine che contiene diagramma, testo, linea, Piano&#10;&#10;Descrizione generata automaticamente">
             <a:extLst>
               <a:ext uri="{FF2B5EF4-FFF2-40B4-BE49-F238E27FC236}">
-                <a16:creationId xmlns:a16="http://schemas.microsoft.com/office/drawing/2014/main" id="{E3696685-C867-9261-0334-1577B78ED45B}"/>
+                <a16:creationId xmlns:a16="http://schemas.microsoft.com/office/drawing/2014/main" id="{22623F0E-AEAA-0B39-07F4-FC3957B38578}"/>
               </a:ext>
             </a:extLst>
           </p:cNvPr>
@@ -15366,8 +15403,8 @@
         </p:blipFill>
         <p:spPr>
           <a:xfrm>
-            <a:off x="1310640" y="2487402"/>
-            <a:ext cx="6180741" cy="3363720"/>
+            <a:off x="1065402" y="2499710"/>
+            <a:ext cx="6375633" cy="3350183"/>
           </a:xfrm>
           <a:prstGeom prst="rect">
             <a:avLst/>
@@ -15744,7 +15781,15 @@
           <a:p>
             <a:r>
               <a:rPr lang="en-GB" dirty="0"/>
-              <a:t>The set of transition and reward functions is referred to as the model of the environment</a:t>
+              <a:t>The set of transition and reward functions is referred to as the </a:t>
+            </a:r>
+            <a:r>
+              <a:rPr lang="en-GB" b="1" dirty="0"/>
+              <a:t>model</a:t>
+            </a:r>
+            <a:r>
+              <a:rPr lang="en-GB" dirty="0"/>
+              <a:t> of the environment</a:t>
             </a:r>
           </a:p>
           <a:p>
@@ -15986,7 +16031,7 @@
             <a:pPr lvl="1"/>
             <a:r>
               <a:rPr lang="en-GB" dirty="0"/>
-              <a:t>interaction with the environment, </a:t>
+              <a:t>interaction with the environment</a:t>
             </a:r>
           </a:p>
           <a:p>
